--- a/宣道詩/(宣道詩26)主自己.pptx
+++ b/宣道詩/(宣道詩26)主自己.pptx
@@ -5,16 +5,22 @@
     <p:sldMasterId id="2147483660" r:id="rId1"/>
   </p:sldMasterIdLst>
   <p:sldIdLst>
-    <p:sldId id="257" r:id="rId2"/>
-    <p:sldId id="258" r:id="rId3"/>
-    <p:sldId id="259" r:id="rId4"/>
-    <p:sldId id="260" r:id="rId5"/>
-    <p:sldId id="261" r:id="rId6"/>
-    <p:sldId id="262" r:id="rId7"/>
-    <p:sldId id="263" r:id="rId8"/>
-    <p:sldId id="264" r:id="rId9"/>
-    <p:sldId id="265" r:id="rId10"/>
-    <p:sldId id="266" r:id="rId11"/>
+    <p:sldId id="267" r:id="rId2"/>
+    <p:sldId id="268" r:id="rId3"/>
+    <p:sldId id="269" r:id="rId4"/>
+    <p:sldId id="270" r:id="rId5"/>
+    <p:sldId id="271" r:id="rId6"/>
+    <p:sldId id="272" r:id="rId7"/>
+    <p:sldId id="273" r:id="rId8"/>
+    <p:sldId id="274" r:id="rId9"/>
+    <p:sldId id="275" r:id="rId10"/>
+    <p:sldId id="276" r:id="rId11"/>
+    <p:sldId id="277" r:id="rId12"/>
+    <p:sldId id="278" r:id="rId13"/>
+    <p:sldId id="279" r:id="rId14"/>
+    <p:sldId id="280" r:id="rId15"/>
+    <p:sldId id="281" r:id="rId16"/>
+    <p:sldId id="282" r:id="rId17"/>
   </p:sldIdLst>
   <p:sldSz cx="12192000" cy="6858000"/>
   <p:notesSz cx="6858000" cy="9144000"/>
@@ -113,6 +119,11 @@
       </a:defRPr>
     </a:lvl9pPr>
   </p:defaultTextStyle>
+  <p:extLst>
+    <p:ext uri="{EFAFB233-063F-42B5-8137-9DF3F51BA10A}">
+      <p15:sldGuideLst xmlns:p15="http://schemas.microsoft.com/office/powerpoint/2012/main"/>
+    </p:ext>
+  </p:extLst>
 </p:presentation>
 </file>
 
@@ -297,7 +308,7 @@
           <a:p>
             <a:fld id="{BEC2CF6F-28FE-4CE7-9B17-75F8AB248402}" type="datetimeFigureOut">
               <a:rPr lang="vi-VN" smtClean="0"/>
-              <a:t>02/09/2020</a:t>
+              <a:t>15/04/2023</a:t>
             </a:fld>
             <a:endParaRPr lang="vi-VN"/>
           </a:p>
@@ -467,7 +478,7 @@
           <a:p>
             <a:fld id="{BEC2CF6F-28FE-4CE7-9B17-75F8AB248402}" type="datetimeFigureOut">
               <a:rPr lang="vi-VN" smtClean="0"/>
-              <a:t>02/09/2020</a:t>
+              <a:t>15/04/2023</a:t>
             </a:fld>
             <a:endParaRPr lang="vi-VN"/>
           </a:p>
@@ -647,7 +658,7 @@
           <a:p>
             <a:fld id="{BEC2CF6F-28FE-4CE7-9B17-75F8AB248402}" type="datetimeFigureOut">
               <a:rPr lang="vi-VN" smtClean="0"/>
-              <a:t>02/09/2020</a:t>
+              <a:t>15/04/2023</a:t>
             </a:fld>
             <a:endParaRPr lang="vi-VN"/>
           </a:p>
@@ -817,7 +828,7 @@
           <a:p>
             <a:fld id="{BEC2CF6F-28FE-4CE7-9B17-75F8AB248402}" type="datetimeFigureOut">
               <a:rPr lang="vi-VN" smtClean="0"/>
-              <a:t>02/09/2020</a:t>
+              <a:t>15/04/2023</a:t>
             </a:fld>
             <a:endParaRPr lang="vi-VN"/>
           </a:p>
@@ -1063,7 +1074,7 @@
           <a:p>
             <a:fld id="{BEC2CF6F-28FE-4CE7-9B17-75F8AB248402}" type="datetimeFigureOut">
               <a:rPr lang="vi-VN" smtClean="0"/>
-              <a:t>02/09/2020</a:t>
+              <a:t>15/04/2023</a:t>
             </a:fld>
             <a:endParaRPr lang="vi-VN"/>
           </a:p>
@@ -1351,7 +1362,7 @@
           <a:p>
             <a:fld id="{BEC2CF6F-28FE-4CE7-9B17-75F8AB248402}" type="datetimeFigureOut">
               <a:rPr lang="vi-VN" smtClean="0"/>
-              <a:t>02/09/2020</a:t>
+              <a:t>15/04/2023</a:t>
             </a:fld>
             <a:endParaRPr lang="vi-VN"/>
           </a:p>
@@ -1773,7 +1784,7 @@
           <a:p>
             <a:fld id="{BEC2CF6F-28FE-4CE7-9B17-75F8AB248402}" type="datetimeFigureOut">
               <a:rPr lang="vi-VN" smtClean="0"/>
-              <a:t>02/09/2020</a:t>
+              <a:t>15/04/2023</a:t>
             </a:fld>
             <a:endParaRPr lang="vi-VN"/>
           </a:p>
@@ -1891,7 +1902,7 @@
           <a:p>
             <a:fld id="{BEC2CF6F-28FE-4CE7-9B17-75F8AB248402}" type="datetimeFigureOut">
               <a:rPr lang="vi-VN" smtClean="0"/>
-              <a:t>02/09/2020</a:t>
+              <a:t>15/04/2023</a:t>
             </a:fld>
             <a:endParaRPr lang="vi-VN"/>
           </a:p>
@@ -1986,7 +1997,7 @@
           <a:p>
             <a:fld id="{BEC2CF6F-28FE-4CE7-9B17-75F8AB248402}" type="datetimeFigureOut">
               <a:rPr lang="vi-VN" smtClean="0"/>
-              <a:t>02/09/2020</a:t>
+              <a:t>15/04/2023</a:t>
             </a:fld>
             <a:endParaRPr lang="vi-VN"/>
           </a:p>
@@ -2263,7 +2274,7 @@
           <a:p>
             <a:fld id="{BEC2CF6F-28FE-4CE7-9B17-75F8AB248402}" type="datetimeFigureOut">
               <a:rPr lang="vi-VN" smtClean="0"/>
-              <a:t>02/09/2020</a:t>
+              <a:t>15/04/2023</a:t>
             </a:fld>
             <a:endParaRPr lang="vi-VN"/>
           </a:p>
@@ -2520,7 +2531,7 @@
           <a:p>
             <a:fld id="{BEC2CF6F-28FE-4CE7-9B17-75F8AB248402}" type="datetimeFigureOut">
               <a:rPr lang="vi-VN" smtClean="0"/>
-              <a:t>02/09/2020</a:t>
+              <a:t>15/04/2023</a:t>
             </a:fld>
             <a:endParaRPr lang="vi-VN"/>
           </a:p>
@@ -2738,7 +2749,7 @@
           <a:p>
             <a:fld id="{BEC2CF6F-28FE-4CE7-9B17-75F8AB248402}" type="datetimeFigureOut">
               <a:rPr lang="vi-VN" smtClean="0"/>
-              <a:t>02/09/2020</a:t>
+              <a:t>15/04/2023</a:t>
             </a:fld>
             <a:endParaRPr lang="vi-VN"/>
           </a:p>
@@ -3115,199 +3126,140 @@
       </p:grpSpPr>
       <p:sp>
         <p:nvSpPr>
-          <p:cNvPr id="2" name="Title 1"/>
+          <p:cNvPr id="4" name="標題 3"/>
           <p:cNvSpPr>
             <a:spLocks noGrp="1"/>
           </p:cNvSpPr>
           <p:nvPr>
             <p:ph type="title"/>
           </p:nvPr>
-        </p:nvSpPr>
-        <p:spPr/>
-        <p:txBody>
-          <a:bodyPr>
-            <a:normAutofit/>
-          </a:bodyPr>
-          <a:lstStyle/>
-          <a:p>
-            <a:r>
-              <a:rPr lang="zh-CN" altLang="en-US" sz="4800" b="1" dirty="0" smtClean="0">
-                <a:solidFill>
-                  <a:srgbClr val="002060"/>
-                </a:solidFill>
-                <a:latin typeface="Microsoft JhengHei" panose="020B0604030504040204" pitchFamily="34" charset="-120"/>
-                <a:ea typeface="Microsoft JhengHei" panose="020B0604030504040204" pitchFamily="34" charset="-120"/>
-              </a:rPr>
-              <a:t>主自己</a:t>
-            </a:r>
-            <a:endParaRPr lang="vi-VN" sz="4800" b="1" dirty="0">
-              <a:solidFill>
-                <a:srgbClr val="002060"/>
-              </a:solidFill>
-              <a:ea typeface="Microsoft JhengHei" panose="020B0604030504040204" pitchFamily="34" charset="-120"/>
-            </a:endParaRPr>
-          </a:p>
-        </p:txBody>
-      </p:sp>
-      <p:sp>
-        <p:nvSpPr>
-          <p:cNvPr id="3" name="Content Placeholder 2"/>
-          <p:cNvSpPr>
-            <a:spLocks noGrp="1"/>
-          </p:cNvSpPr>
-          <p:nvPr>
-            <p:ph idx="1"/>
-          </p:nvPr>
-        </p:nvSpPr>
-        <p:spPr/>
-        <p:txBody>
-          <a:bodyPr>
-            <a:normAutofit/>
-          </a:bodyPr>
-          <a:lstStyle/>
-          <a:p>
-            <a:pPr marL="0" indent="0" algn="ctr">
-              <a:buNone/>
-            </a:pPr>
-            <a:r>
-              <a:rPr lang="zh-CN" altLang="en-US" sz="5400" b="1" dirty="0" smtClean="0">
-                <a:solidFill>
-                  <a:srgbClr val="002060"/>
-                </a:solidFill>
-                <a:latin typeface="Microsoft JhengHei" panose="020B0604030504040204" pitchFamily="34" charset="-120"/>
-                <a:ea typeface="Microsoft JhengHei" panose="020B0604030504040204" pitchFamily="34" charset="-120"/>
-              </a:rPr>
-              <a:t>前要的是福祉  今要的是主</a:t>
-            </a:r>
-            <a:endParaRPr lang="en-US" altLang="zh-CN" sz="5400" b="1" dirty="0" smtClean="0">
-              <a:solidFill>
-                <a:srgbClr val="002060"/>
-              </a:solidFill>
-              <a:latin typeface="Microsoft JhengHei" panose="020B0604030504040204" pitchFamily="34" charset="-120"/>
-              <a:ea typeface="Microsoft JhengHei" panose="020B0604030504040204" pitchFamily="34" charset="-120"/>
-            </a:endParaRPr>
-          </a:p>
-          <a:p>
-            <a:pPr marL="0" indent="0" algn="ctr">
-              <a:buNone/>
-            </a:pPr>
-            <a:r>
-              <a:rPr lang="zh-CN" altLang="en-US" sz="5400" b="1" dirty="0">
-                <a:solidFill>
-                  <a:srgbClr val="002060"/>
-                </a:solidFill>
-                <a:latin typeface="Microsoft JhengHei" panose="020B0604030504040204" pitchFamily="34" charset="-120"/>
-                <a:ea typeface="Microsoft JhengHei" panose="020B0604030504040204" pitchFamily="34" charset="-120"/>
-              </a:rPr>
-              <a:t>前要的</a:t>
-            </a:r>
-            <a:r>
-              <a:rPr lang="zh-CN" altLang="en-US" sz="5400" b="1" dirty="0" smtClean="0">
-                <a:solidFill>
-                  <a:srgbClr val="002060"/>
-                </a:solidFill>
-                <a:latin typeface="Microsoft JhengHei" panose="020B0604030504040204" pitchFamily="34" charset="-120"/>
-                <a:ea typeface="Microsoft JhengHei" panose="020B0604030504040204" pitchFamily="34" charset="-120"/>
-              </a:rPr>
-              <a:t>是感覺  今要主言語</a:t>
-            </a:r>
-            <a:endParaRPr lang="en-US" altLang="zh-CN" sz="5400" b="1" dirty="0" smtClean="0">
-              <a:solidFill>
-                <a:srgbClr val="002060"/>
-              </a:solidFill>
-              <a:latin typeface="Microsoft JhengHei" panose="020B0604030504040204" pitchFamily="34" charset="-120"/>
-              <a:ea typeface="Microsoft JhengHei" panose="020B0604030504040204" pitchFamily="34" charset="-120"/>
-            </a:endParaRPr>
-          </a:p>
-          <a:p>
-            <a:pPr marL="0" indent="0" algn="ctr">
-              <a:buNone/>
-            </a:pPr>
-            <a:r>
-              <a:rPr lang="zh-CN" altLang="en-US" sz="5400" b="1" dirty="0">
-                <a:solidFill>
-                  <a:srgbClr val="002060"/>
-                </a:solidFill>
-                <a:latin typeface="Microsoft JhengHei" panose="020B0604030504040204" pitchFamily="34" charset="-120"/>
-                <a:ea typeface="Microsoft JhengHei" panose="020B0604030504040204" pitchFamily="34" charset="-120"/>
-              </a:rPr>
-              <a:t>前要的</a:t>
-            </a:r>
-            <a:r>
-              <a:rPr lang="zh-CN" altLang="en-US" sz="5400" b="1" dirty="0" smtClean="0">
-                <a:solidFill>
-                  <a:srgbClr val="002060"/>
-                </a:solidFill>
-                <a:latin typeface="Microsoft JhengHei" panose="020B0604030504040204" pitchFamily="34" charset="-120"/>
-                <a:ea typeface="Microsoft JhengHei" panose="020B0604030504040204" pitchFamily="34" charset="-120"/>
-              </a:rPr>
-              <a:t>是恩賜  今要賜恩主</a:t>
-            </a:r>
-            <a:endParaRPr lang="en-US" altLang="zh-CN" sz="5400" b="1" dirty="0" smtClean="0">
-              <a:solidFill>
-                <a:srgbClr val="002060"/>
-              </a:solidFill>
-              <a:latin typeface="Microsoft JhengHei" panose="020B0604030504040204" pitchFamily="34" charset="-120"/>
-              <a:ea typeface="Microsoft JhengHei" panose="020B0604030504040204" pitchFamily="34" charset="-120"/>
-            </a:endParaRPr>
-          </a:p>
-          <a:p>
-            <a:pPr marL="0" indent="0" algn="ctr">
-              <a:buNone/>
-            </a:pPr>
-            <a:r>
-              <a:rPr lang="zh-CN" altLang="en-US" sz="5400" b="1" dirty="0" smtClean="0">
-                <a:solidFill>
-                  <a:srgbClr val="002060"/>
-                </a:solidFill>
-                <a:latin typeface="Microsoft JhengHei" panose="020B0604030504040204" pitchFamily="34" charset="-120"/>
-                <a:ea typeface="Microsoft JhengHei" panose="020B0604030504040204" pitchFamily="34" charset="-120"/>
-              </a:rPr>
-              <a:t>前我尋求醫治  今要主自己</a:t>
-            </a:r>
-            <a:endParaRPr lang="vi-VN" sz="5400" b="1" dirty="0">
-              <a:solidFill>
-                <a:srgbClr val="002060"/>
-              </a:solidFill>
-              <a:ea typeface="Microsoft JhengHei" panose="020B0604030504040204" pitchFamily="34" charset="-120"/>
-            </a:endParaRPr>
-          </a:p>
-        </p:txBody>
-      </p:sp>
-      <p:sp>
-        <p:nvSpPr>
-          <p:cNvPr id="4" name="TextBox 3"/>
-          <p:cNvSpPr txBox="1"/>
-          <p:nvPr/>
         </p:nvSpPr>
         <p:spPr>
           <a:xfrm>
-            <a:off x="754380" y="1680211"/>
-            <a:ext cx="777240" cy="923330"/>
+            <a:off x="0" y="2660915"/>
+            <a:ext cx="12192000" cy="1143000"/>
           </a:xfrm>
-          <a:prstGeom prst="rect">
-            <a:avLst/>
-          </a:prstGeom>
-          <a:noFill/>
         </p:spPr>
         <p:txBody>
-          <a:bodyPr wrap="square" rtlCol="0">
-            <a:spAutoFit/>
+          <a:bodyPr>
+            <a:noAutofit/>
           </a:bodyPr>
           <a:lstStyle/>
           <a:p>
             <a:r>
-              <a:rPr lang="en-US" sz="5400" b="1" dirty="0" smtClean="0">
-                <a:solidFill>
-                  <a:srgbClr val="002060"/>
-                </a:solidFill>
-              </a:rPr>
-              <a:t>1.</a:t>
-            </a:r>
-            <a:endParaRPr lang="vi-VN" sz="5400" b="1" dirty="0">
+              <a:rPr lang="zh-CN" altLang="en-US" sz="5333" b="1" u="sng" dirty="0">
+                <a:solidFill>
+                  <a:srgbClr val="000066"/>
+                </a:solidFill>
+                <a:effectLst>
+                  <a:outerShdw blurRad="38100" dist="38100" dir="2700000" algn="tl">
+                    <a:srgbClr val="000000">
+                      <a:alpha val="43137"/>
+                    </a:srgbClr>
+                  </a:outerShdw>
+                </a:effectLst>
+                <a:latin typeface="微軟正黑體" pitchFamily="34" charset="-120"/>
+                <a:ea typeface="微軟正黑體" pitchFamily="34" charset="-120"/>
+              </a:rPr>
+              <a:t>宣道詩 </a:t>
+            </a:r>
+            <a:r>
+              <a:rPr lang="en-US" altLang="zh-CN" sz="5333" b="1" u="sng" dirty="0">
+                <a:solidFill>
+                  <a:srgbClr val="000066"/>
+                </a:solidFill>
+                <a:effectLst>
+                  <a:outerShdw blurRad="38100" dist="38100" dir="2700000" algn="tl">
+                    <a:srgbClr val="000000">
+                      <a:alpha val="43137"/>
+                    </a:srgbClr>
+                  </a:outerShdw>
+                </a:effectLst>
+                <a:latin typeface="微軟正黑體" pitchFamily="34" charset="-120"/>
+                <a:ea typeface="微軟正黑體" pitchFamily="34" charset="-120"/>
+              </a:rPr>
+              <a:t>26</a:t>
+            </a:r>
+            <a:r>
+              <a:rPr lang="en-US" altLang="zh-CN" sz="7200" b="1" i="1" dirty="0">
+                <a:solidFill>
+                  <a:srgbClr val="660033"/>
+                </a:solidFill>
+                <a:effectLst>
+                  <a:outerShdw blurRad="38100" dist="38100" dir="2700000" algn="tl">
+                    <a:srgbClr val="000000">
+                      <a:alpha val="43137"/>
+                    </a:srgbClr>
+                  </a:outerShdw>
+                </a:effectLst>
+                <a:latin typeface="微軟正黑體" pitchFamily="34" charset="-120"/>
+                <a:ea typeface="微軟正黑體" pitchFamily="34" charset="-120"/>
+              </a:rPr>
+              <a:t/>
+            </a:r>
+            <a:br>
+              <a:rPr lang="en-US" altLang="zh-CN" sz="7200" b="1" i="1" dirty="0">
+                <a:solidFill>
+                  <a:srgbClr val="660033"/>
+                </a:solidFill>
+                <a:effectLst>
+                  <a:outerShdw blurRad="38100" dist="38100" dir="2700000" algn="tl">
+                    <a:srgbClr val="000000">
+                      <a:alpha val="43137"/>
+                    </a:srgbClr>
+                  </a:outerShdw>
+                </a:effectLst>
+                <a:latin typeface="微軟正黑體" pitchFamily="34" charset="-120"/>
+                <a:ea typeface="微軟正黑體" pitchFamily="34" charset="-120"/>
+              </a:rPr>
+            </a:br>
+            <a:r>
+              <a:rPr lang="zh-CN" altLang="en-US" sz="8000" b="1" dirty="0">
+                <a:solidFill>
+                  <a:srgbClr val="660033"/>
+                </a:solidFill>
+                <a:effectLst>
+                  <a:outerShdw blurRad="38100" dist="38100" dir="2700000" algn="tl">
+                    <a:srgbClr val="000000">
+                      <a:alpha val="43137"/>
+                    </a:srgbClr>
+                  </a:outerShdw>
+                </a:effectLst>
+                <a:latin typeface="微軟正黑體" pitchFamily="34" charset="-120"/>
+                <a:ea typeface="微軟正黑體" pitchFamily="34" charset="-120"/>
+              </a:rPr>
+              <a:t>主</a:t>
+            </a:r>
+            <a:r>
+              <a:rPr lang="zh-CN" altLang="en-US" sz="8000" b="1" dirty="0">
+                <a:solidFill>
+                  <a:srgbClr val="660033"/>
+                </a:solidFill>
+                <a:effectLst>
+                  <a:outerShdw blurRad="38100" dist="38100" dir="2700000" algn="tl">
+                    <a:srgbClr val="000000">
+                      <a:alpha val="43137"/>
+                    </a:srgbClr>
+                  </a:outerShdw>
+                </a:effectLst>
+                <a:latin typeface="微軟正黑體" pitchFamily="34" charset="-120"/>
+                <a:ea typeface="微軟正黑體" pitchFamily="34" charset="-120"/>
+              </a:rPr>
+              <a:t>自己</a:t>
+            </a:r>
+            <a:endParaRPr lang="zh-TW" altLang="en-US" sz="8000" b="1" dirty="0">
               <a:solidFill>
-                <a:srgbClr val="002060"/>
+                <a:srgbClr val="660033"/>
               </a:solidFill>
+              <a:effectLst>
+                <a:outerShdw blurRad="38100" dist="38100" dir="2700000" algn="tl">
+                  <a:srgbClr val="000000">
+                    <a:alpha val="43137"/>
+                  </a:srgbClr>
+                </a:outerShdw>
+              </a:effectLst>
+              <a:latin typeface="微軟正黑體" pitchFamily="34" charset="-120"/>
+              <a:ea typeface="微軟正黑體" pitchFamily="34" charset="-120"/>
             </a:endParaRPr>
           </a:p>
         </p:txBody>
@@ -3315,13 +3267,20 @@
     </p:spTree>
     <p:extLst>
       <p:ext uri="{BB962C8B-B14F-4D97-AF65-F5344CB8AC3E}">
-        <p14:creationId xmlns:p14="http://schemas.microsoft.com/office/powerpoint/2010/main" val="986301005"/>
+        <p14:creationId xmlns:p14="http://schemas.microsoft.com/office/powerpoint/2010/main" val="8093539"/>
       </p:ext>
     </p:extLst>
   </p:cSld>
   <p:clrMapOvr>
     <a:masterClrMapping/>
   </p:clrMapOvr>
+  <p:timing>
+    <p:tnLst>
+      <p:par>
+        <p:cTn id="1" dur="indefinite" restart="never" nodeType="tmRoot"/>
+      </p:par>
+    </p:tnLst>
+  </p:timing>
 </p:sld>
 </file>
 
@@ -3344,152 +3303,147 @@
       </p:grpSpPr>
       <p:sp>
         <p:nvSpPr>
-          <p:cNvPr id="2" name="Title 1"/>
-          <p:cNvSpPr>
-            <a:spLocks noGrp="1"/>
-          </p:cNvSpPr>
-          <p:nvPr>
-            <p:ph type="title"/>
-          </p:nvPr>
-        </p:nvSpPr>
-        <p:spPr/>
-        <p:txBody>
-          <a:bodyPr>
+          <p:cNvPr id="5" name="內容版面配置區 4"/>
+          <p:cNvSpPr>
+            <a:spLocks noGrp="1"/>
+          </p:cNvSpPr>
+          <p:nvPr>
+            <p:ph idx="1"/>
+          </p:nvPr>
+        </p:nvSpPr>
+        <p:spPr>
+          <a:xfrm>
+            <a:off x="0" y="2084851"/>
+            <a:ext cx="12192000" cy="2404863"/>
+          </a:xfrm>
+        </p:spPr>
+        <p:txBody>
+          <a:bodyPr anchor="ctr">
             <a:normAutofit/>
           </a:bodyPr>
           <a:lstStyle/>
           <a:p>
-            <a:r>
-              <a:rPr lang="zh-CN" altLang="en-US" sz="4800" b="1" dirty="0" smtClean="0">
-                <a:solidFill>
-                  <a:srgbClr val="002060"/>
-                </a:solidFill>
-                <a:latin typeface="Microsoft JhengHei" panose="020B0604030504040204" pitchFamily="34" charset="-120"/>
-                <a:ea typeface="Microsoft JhengHei" panose="020B0604030504040204" pitchFamily="34" charset="-120"/>
-              </a:rPr>
-              <a:t>主自己</a:t>
-            </a:r>
-            <a:endParaRPr lang="vi-VN" sz="4800" b="1" dirty="0">
+            <a:pPr marL="0" indent="0" algn="ctr">
+              <a:buNone/>
+            </a:pPr>
+            <a:r>
+              <a:rPr lang="zh-CN" altLang="en-US" sz="6400" b="1" dirty="0">
+                <a:solidFill>
+                  <a:srgbClr val="660033"/>
+                </a:solidFill>
+                <a:latin typeface="Microsoft JhengHei" pitchFamily="34" charset="-120"/>
+                <a:ea typeface="Microsoft JhengHei" pitchFamily="34" charset="-120"/>
+              </a:rPr>
+              <a:t>永遠舉起耶</a:t>
+            </a:r>
+            <a:r>
+              <a:rPr lang="zh-CN" altLang="en-US" sz="6400" b="1" dirty="0">
+                <a:solidFill>
+                  <a:srgbClr val="660033"/>
+                </a:solidFill>
+                <a:latin typeface="Microsoft JhengHei" pitchFamily="34" charset="-120"/>
+                <a:ea typeface="Microsoft JhengHei" pitchFamily="34" charset="-120"/>
+              </a:rPr>
+              <a:t>穌</a:t>
+            </a:r>
+            <a:r>
+              <a:rPr lang="en-US" altLang="zh-CN" sz="6400" b="1" dirty="0">
+                <a:solidFill>
+                  <a:srgbClr val="660033"/>
+                </a:solidFill>
+                <a:latin typeface="Microsoft JhengHei" pitchFamily="34" charset="-120"/>
+                <a:ea typeface="Microsoft JhengHei" pitchFamily="34" charset="-120"/>
+              </a:rPr>
+              <a:t>  </a:t>
+            </a:r>
+            <a:r>
+              <a:rPr lang="zh-CN" altLang="en-US" sz="6400" b="1" dirty="0">
+                <a:solidFill>
+                  <a:srgbClr val="660033"/>
+                </a:solidFill>
+                <a:latin typeface="Microsoft JhengHei" pitchFamily="34" charset="-120"/>
+                <a:ea typeface="Microsoft JhengHei" pitchFamily="34" charset="-120"/>
+              </a:rPr>
+              <a:t>讚</a:t>
+            </a:r>
+            <a:r>
+              <a:rPr lang="zh-CN" altLang="en-US" sz="6400" b="1" dirty="0">
+                <a:solidFill>
+                  <a:srgbClr val="660033"/>
+                </a:solidFill>
+                <a:latin typeface="Microsoft JhengHei" pitchFamily="34" charset="-120"/>
+                <a:ea typeface="Microsoft JhengHei" pitchFamily="34" charset="-120"/>
+              </a:rPr>
+              <a:t>美主不息</a:t>
+            </a:r>
+            <a:endParaRPr lang="en-US" altLang="zh-CN" sz="6400" b="1" dirty="0">
               <a:solidFill>
-                <a:srgbClr val="002060"/>
+                <a:srgbClr val="660033"/>
               </a:solidFill>
-              <a:ea typeface="Microsoft JhengHei" panose="020B0604030504040204" pitchFamily="34" charset="-120"/>
+              <a:latin typeface="Microsoft JhengHei" pitchFamily="34" charset="-120"/>
+              <a:ea typeface="Microsoft JhengHei" pitchFamily="34" charset="-120"/>
             </a:endParaRPr>
           </a:p>
-        </p:txBody>
-      </p:sp>
-      <p:sp>
-        <p:nvSpPr>
-          <p:cNvPr id="3" name="Content Placeholder 2"/>
-          <p:cNvSpPr>
-            <a:spLocks noGrp="1"/>
-          </p:cNvSpPr>
-          <p:nvPr>
-            <p:ph idx="1"/>
-          </p:nvPr>
-        </p:nvSpPr>
-        <p:spPr/>
-        <p:txBody>
-          <a:bodyPr>
-            <a:normAutofit/>
-          </a:bodyPr>
-          <a:lstStyle/>
           <a:p>
             <a:pPr marL="0" indent="0" algn="ctr">
               <a:buNone/>
             </a:pPr>
             <a:r>
-              <a:rPr lang="zh-CN" altLang="en-US" sz="5400" b="1" dirty="0" smtClean="0">
-                <a:solidFill>
-                  <a:srgbClr val="002060"/>
-                </a:solidFill>
-                <a:ea typeface="Microsoft JhengHei" panose="020B0604030504040204" pitchFamily="34" charset="-120"/>
-              </a:rPr>
-              <a:t>永遠舉起耶穌</a:t>
-            </a:r>
-            <a:endParaRPr lang="en-US" altLang="zh-CN" sz="5400" b="1" dirty="0" smtClean="0">
+              <a:rPr lang="zh-CN" altLang="en-US" sz="6400" b="1" dirty="0">
+                <a:solidFill>
+                  <a:srgbClr val="660033"/>
+                </a:solidFill>
+                <a:latin typeface="Microsoft JhengHei" pitchFamily="34" charset="-120"/>
+                <a:ea typeface="Microsoft JhengHei" pitchFamily="34" charset="-120"/>
+              </a:rPr>
+              <a:t>一切在耶穌</a:t>
+            </a:r>
+            <a:r>
+              <a:rPr lang="zh-CN" altLang="en-US" sz="6400" b="1" dirty="0">
+                <a:solidFill>
+                  <a:srgbClr val="660033"/>
+                </a:solidFill>
+                <a:latin typeface="Microsoft JhengHei" pitchFamily="34" charset="-120"/>
+                <a:ea typeface="Microsoft JhengHei" pitchFamily="34" charset="-120"/>
+              </a:rPr>
+              <a:t>裏</a:t>
+            </a:r>
+            <a:r>
+              <a:rPr lang="en-US" altLang="zh-CN" sz="6400" b="1" dirty="0">
+                <a:solidFill>
+                  <a:srgbClr val="660033"/>
+                </a:solidFill>
+                <a:latin typeface="Microsoft JhengHei" pitchFamily="34" charset="-120"/>
+                <a:ea typeface="Microsoft JhengHei" pitchFamily="34" charset="-120"/>
+              </a:rPr>
+              <a:t>  </a:t>
+            </a:r>
+            <a:r>
+              <a:rPr lang="zh-CN" altLang="en-US" sz="6400" b="1" dirty="0">
+                <a:solidFill>
+                  <a:srgbClr val="660033"/>
+                </a:solidFill>
+                <a:latin typeface="Microsoft JhengHei" pitchFamily="34" charset="-120"/>
+                <a:ea typeface="Microsoft JhengHei" pitchFamily="34" charset="-120"/>
+              </a:rPr>
+              <a:t>主</a:t>
+            </a:r>
+            <a:r>
+              <a:rPr lang="zh-CN" altLang="en-US" sz="6400" b="1" dirty="0">
+                <a:solidFill>
+                  <a:srgbClr val="660033"/>
+                </a:solidFill>
+                <a:latin typeface="Microsoft JhengHei" pitchFamily="34" charset="-120"/>
+                <a:ea typeface="Microsoft JhengHei" pitchFamily="34" charset="-120"/>
+              </a:rPr>
+              <a:t>是我的一切</a:t>
+            </a:r>
+            <a:endParaRPr lang="vi-VN" sz="6400" b="1" dirty="0">
               <a:solidFill>
-                <a:srgbClr val="002060"/>
+                <a:srgbClr val="660033"/>
               </a:solidFill>
-              <a:ea typeface="Microsoft JhengHei" panose="020B0604030504040204" pitchFamily="34" charset="-120"/>
-            </a:endParaRPr>
-          </a:p>
-          <a:p>
-            <a:pPr marL="0" indent="0" algn="ctr">
-              <a:buNone/>
-            </a:pPr>
-            <a:r>
-              <a:rPr lang="zh-CN" altLang="en-US" sz="5400" b="1" dirty="0">
-                <a:solidFill>
-                  <a:srgbClr val="002060"/>
-                </a:solidFill>
-                <a:ea typeface="Microsoft JhengHei" panose="020B0604030504040204" pitchFamily="34" charset="-120"/>
-              </a:rPr>
-              <a:t>讚</a:t>
-            </a:r>
-            <a:r>
-              <a:rPr lang="zh-CN" altLang="en-US" sz="5400" b="1" dirty="0" smtClean="0">
-                <a:solidFill>
-                  <a:srgbClr val="002060"/>
-                </a:solidFill>
-                <a:ea typeface="Microsoft JhengHei" panose="020B0604030504040204" pitchFamily="34" charset="-120"/>
-              </a:rPr>
-              <a:t>美主不息</a:t>
-            </a:r>
-            <a:endParaRPr lang="en-US" altLang="zh-CN" sz="5400" b="1" dirty="0" smtClean="0">
-              <a:solidFill>
-                <a:srgbClr val="002060"/>
-              </a:solidFill>
-              <a:ea typeface="Microsoft JhengHei" panose="020B0604030504040204" pitchFamily="34" charset="-120"/>
-            </a:endParaRPr>
-          </a:p>
-          <a:p>
-            <a:pPr marL="0" indent="0" algn="ctr">
-              <a:buNone/>
-            </a:pPr>
-            <a:r>
-              <a:rPr lang="zh-CN" altLang="en-US" sz="5400" b="1" dirty="0">
-                <a:solidFill>
-                  <a:srgbClr val="002060"/>
-                </a:solidFill>
-                <a:ea typeface="Microsoft JhengHei" panose="020B0604030504040204" pitchFamily="34" charset="-120"/>
-              </a:rPr>
-              <a:t>一</a:t>
-            </a:r>
-            <a:r>
-              <a:rPr lang="zh-CN" altLang="en-US" sz="5400" b="1" dirty="0" smtClean="0">
-                <a:solidFill>
-                  <a:srgbClr val="002060"/>
-                </a:solidFill>
-                <a:ea typeface="Microsoft JhengHei" panose="020B0604030504040204" pitchFamily="34" charset="-120"/>
-              </a:rPr>
-              <a:t>切在耶穌裏</a:t>
-            </a:r>
-            <a:endParaRPr lang="en-US" altLang="zh-CN" sz="5400" b="1" dirty="0" smtClean="0">
-              <a:solidFill>
-                <a:srgbClr val="002060"/>
-              </a:solidFill>
-              <a:ea typeface="Microsoft JhengHei" panose="020B0604030504040204" pitchFamily="34" charset="-120"/>
-            </a:endParaRPr>
-          </a:p>
-          <a:p>
-            <a:pPr marL="0" indent="0" algn="ctr">
-              <a:buNone/>
-            </a:pPr>
-            <a:r>
-              <a:rPr lang="zh-CN" altLang="en-US" sz="5400" b="1" dirty="0" smtClean="0">
-                <a:solidFill>
-                  <a:srgbClr val="002060"/>
-                </a:solidFill>
-                <a:ea typeface="Microsoft JhengHei" panose="020B0604030504040204" pitchFamily="34" charset="-120"/>
-              </a:rPr>
-              <a:t>主是我的一切</a:t>
-            </a:r>
-            <a:endParaRPr lang="vi-VN" sz="5400" b="1" dirty="0">
-              <a:solidFill>
-                <a:srgbClr val="002060"/>
-              </a:solidFill>
-              <a:ea typeface="Microsoft JhengHei" panose="020B0604030504040204" pitchFamily="34" charset="-120"/>
+              <a:latin typeface="Microsoft JhengHei" pitchFamily="34" charset="-120"/>
+              <a:ea typeface="Microsoft JhengHei" pitchFamily="34" charset="-120"/>
             </a:endParaRPr>
           </a:p>
         </p:txBody>
@@ -3497,13 +3451,960 @@
     </p:spTree>
     <p:extLst>
       <p:ext uri="{BB962C8B-B14F-4D97-AF65-F5344CB8AC3E}">
-        <p14:creationId xmlns:p14="http://schemas.microsoft.com/office/powerpoint/2010/main" val="4285818685"/>
+        <p14:creationId xmlns:p14="http://schemas.microsoft.com/office/powerpoint/2010/main" val="1722088276"/>
       </p:ext>
     </p:extLst>
   </p:cSld>
   <p:clrMapOvr>
     <a:masterClrMapping/>
   </p:clrMapOvr>
+  <p:timing>
+    <p:tnLst>
+      <p:par>
+        <p:cTn id="1" dur="indefinite" restart="never" nodeType="tmRoot"/>
+      </p:par>
+    </p:tnLst>
+  </p:timing>
+</p:sld>
+</file>
+
+<file path=ppt/slides/slide11.xml><?xml version="1.0" encoding="utf-8"?>
+<p:sld xmlns:a="http://schemas.openxmlformats.org/drawingml/2006/main" xmlns:r="http://schemas.openxmlformats.org/officeDocument/2006/relationships" xmlns:p="http://schemas.openxmlformats.org/presentationml/2006/main">
+  <p:cSld>
+    <p:spTree>
+      <p:nvGrpSpPr>
+        <p:cNvPr id="1" name=""/>
+        <p:cNvGrpSpPr/>
+        <p:nvPr/>
+      </p:nvGrpSpPr>
+      <p:grpSpPr>
+        <a:xfrm>
+          <a:off x="0" y="0"/>
+          <a:ext cx="0" cy="0"/>
+          <a:chOff x="0" y="0"/>
+          <a:chExt cx="0" cy="0"/>
+        </a:xfrm>
+      </p:grpSpPr>
+      <p:sp>
+        <p:nvSpPr>
+          <p:cNvPr id="5" name="內容版面配置區 4"/>
+          <p:cNvSpPr>
+            <a:spLocks noGrp="1"/>
+          </p:cNvSpPr>
+          <p:nvPr>
+            <p:ph idx="1"/>
+          </p:nvPr>
+        </p:nvSpPr>
+        <p:spPr>
+          <a:xfrm>
+            <a:off x="0" y="2084851"/>
+            <a:ext cx="12192000" cy="2404863"/>
+          </a:xfrm>
+        </p:spPr>
+        <p:txBody>
+          <a:bodyPr anchor="ctr">
+            <a:normAutofit/>
+          </a:bodyPr>
+          <a:lstStyle/>
+          <a:p>
+            <a:pPr marL="0" indent="0" algn="ctr">
+              <a:buNone/>
+            </a:pPr>
+            <a:r>
+              <a:rPr lang="zh-CN" altLang="en-US" sz="6400" b="1" dirty="0">
+                <a:solidFill>
+                  <a:srgbClr val="660033"/>
+                </a:solidFill>
+                <a:latin typeface="Microsoft JhengHei" pitchFamily="34" charset="-120"/>
+                <a:ea typeface="Microsoft JhengHei" pitchFamily="34" charset="-120"/>
+              </a:rPr>
+              <a:t>前隨己意作工  今作工是主</a:t>
+            </a:r>
+            <a:endParaRPr lang="en-US" altLang="zh-CN" sz="6400" b="1" dirty="0">
+              <a:solidFill>
+                <a:srgbClr val="660033"/>
+              </a:solidFill>
+              <a:latin typeface="Microsoft JhengHei" pitchFamily="34" charset="-120"/>
+              <a:ea typeface="Microsoft JhengHei" pitchFamily="34" charset="-120"/>
+            </a:endParaRPr>
+          </a:p>
+          <a:p>
+            <a:pPr marL="0" indent="0" algn="ctr">
+              <a:buNone/>
+            </a:pPr>
+            <a:r>
+              <a:rPr lang="zh-CN" altLang="en-US" sz="6400" b="1" dirty="0">
+                <a:solidFill>
+                  <a:srgbClr val="660033"/>
+                </a:solidFill>
+                <a:latin typeface="Microsoft JhengHei" pitchFamily="34" charset="-120"/>
+                <a:ea typeface="Microsoft JhengHei" pitchFamily="34" charset="-120"/>
+              </a:rPr>
+              <a:t>前我欲利用主  今則主用我</a:t>
+            </a:r>
+            <a:endParaRPr lang="en-US" altLang="zh-CN" sz="6400" b="1" dirty="0">
+              <a:solidFill>
+                <a:srgbClr val="660033"/>
+              </a:solidFill>
+              <a:latin typeface="Microsoft JhengHei" pitchFamily="34" charset="-120"/>
+              <a:ea typeface="Microsoft JhengHei" pitchFamily="34" charset="-120"/>
+            </a:endParaRPr>
+          </a:p>
+        </p:txBody>
+      </p:sp>
+      <p:sp>
+        <p:nvSpPr>
+          <p:cNvPr id="3" name="TextBox 2"/>
+          <p:cNvSpPr txBox="1"/>
+          <p:nvPr/>
+        </p:nvSpPr>
+        <p:spPr>
+          <a:xfrm>
+            <a:off x="0" y="5061181"/>
+            <a:ext cx="12192000" cy="666786"/>
+          </a:xfrm>
+          <a:prstGeom prst="rect">
+            <a:avLst/>
+          </a:prstGeom>
+          <a:noFill/>
+        </p:spPr>
+        <p:txBody>
+          <a:bodyPr wrap="square" rtlCol="0">
+            <a:spAutoFit/>
+          </a:bodyPr>
+          <a:lstStyle/>
+          <a:p>
+            <a:pPr algn="ctr"/>
+            <a:r>
+              <a:rPr lang="en-US" sz="3733" b="1" dirty="0">
+                <a:solidFill>
+                  <a:srgbClr val="660033"/>
+                </a:solidFill>
+              </a:rPr>
+              <a:t>( 4 / 5 )</a:t>
+            </a:r>
+            <a:endParaRPr lang="vi-VN" sz="3733" b="1" dirty="0">
+              <a:solidFill>
+                <a:srgbClr val="660033"/>
+              </a:solidFill>
+            </a:endParaRPr>
+          </a:p>
+        </p:txBody>
+      </p:sp>
+    </p:spTree>
+    <p:extLst>
+      <p:ext uri="{BB962C8B-B14F-4D97-AF65-F5344CB8AC3E}">
+        <p14:creationId xmlns:p14="http://schemas.microsoft.com/office/powerpoint/2010/main" val="3811746157"/>
+      </p:ext>
+    </p:extLst>
+  </p:cSld>
+  <p:clrMapOvr>
+    <a:masterClrMapping/>
+  </p:clrMapOvr>
+  <p:timing>
+    <p:tnLst>
+      <p:par>
+        <p:cTn id="1" dur="indefinite" restart="never" nodeType="tmRoot"/>
+      </p:par>
+    </p:tnLst>
+  </p:timing>
+</p:sld>
+</file>
+
+<file path=ppt/slides/slide12.xml><?xml version="1.0" encoding="utf-8"?>
+<p:sld xmlns:a="http://schemas.openxmlformats.org/drawingml/2006/main" xmlns:r="http://schemas.openxmlformats.org/officeDocument/2006/relationships" xmlns:p="http://schemas.openxmlformats.org/presentationml/2006/main">
+  <p:cSld>
+    <p:spTree>
+      <p:nvGrpSpPr>
+        <p:cNvPr id="1" name=""/>
+        <p:cNvGrpSpPr/>
+        <p:nvPr/>
+      </p:nvGrpSpPr>
+      <p:grpSpPr>
+        <a:xfrm>
+          <a:off x="0" y="0"/>
+          <a:ext cx="0" cy="0"/>
+          <a:chOff x="0" y="0"/>
+          <a:chExt cx="0" cy="0"/>
+        </a:xfrm>
+      </p:grpSpPr>
+      <p:sp>
+        <p:nvSpPr>
+          <p:cNvPr id="5" name="內容版面配置區 4"/>
+          <p:cNvSpPr>
+            <a:spLocks noGrp="1"/>
+          </p:cNvSpPr>
+          <p:nvPr>
+            <p:ph idx="1"/>
+          </p:nvPr>
+        </p:nvSpPr>
+        <p:spPr>
+          <a:xfrm>
+            <a:off x="0" y="2084851"/>
+            <a:ext cx="12192000" cy="2404863"/>
+          </a:xfrm>
+        </p:spPr>
+        <p:txBody>
+          <a:bodyPr anchor="ctr">
+            <a:normAutofit/>
+          </a:bodyPr>
+          <a:lstStyle/>
+          <a:p>
+            <a:pPr marL="0" indent="0" algn="ctr">
+              <a:buNone/>
+            </a:pPr>
+            <a:r>
+              <a:rPr lang="zh-CN" altLang="en-US" sz="6400" b="1" dirty="0">
+                <a:solidFill>
+                  <a:srgbClr val="660033"/>
+                </a:solidFill>
+                <a:latin typeface="Microsoft JhengHei" pitchFamily="34" charset="-120"/>
+                <a:ea typeface="Microsoft JhengHei" pitchFamily="34" charset="-120"/>
+              </a:rPr>
+              <a:t>前我尋求能力  今要全能主</a:t>
+            </a:r>
+            <a:endParaRPr lang="en-US" altLang="zh-CN" sz="6400" b="1" dirty="0">
+              <a:solidFill>
+                <a:srgbClr val="660033"/>
+              </a:solidFill>
+              <a:latin typeface="Microsoft JhengHei" pitchFamily="34" charset="-120"/>
+              <a:ea typeface="Microsoft JhengHei" pitchFamily="34" charset="-120"/>
+            </a:endParaRPr>
+          </a:p>
+          <a:p>
+            <a:pPr marL="0" indent="0" algn="ctr">
+              <a:buNone/>
+            </a:pPr>
+            <a:r>
+              <a:rPr lang="zh-CN" altLang="en-US" sz="6400" b="1" dirty="0">
+                <a:solidFill>
+                  <a:srgbClr val="660033"/>
+                </a:solidFill>
+                <a:latin typeface="Microsoft JhengHei" pitchFamily="34" charset="-120"/>
+                <a:ea typeface="Microsoft JhengHei" pitchFamily="34" charset="-120"/>
+              </a:rPr>
+              <a:t>前為自己勞碌  今為主而活</a:t>
+            </a:r>
+            <a:endParaRPr lang="vi-VN" sz="6400" b="1" dirty="0">
+              <a:solidFill>
+                <a:srgbClr val="660033"/>
+              </a:solidFill>
+              <a:latin typeface="Microsoft JhengHei" pitchFamily="34" charset="-120"/>
+              <a:ea typeface="Microsoft JhengHei" pitchFamily="34" charset="-120"/>
+            </a:endParaRPr>
+          </a:p>
+        </p:txBody>
+      </p:sp>
+      <p:sp>
+        <p:nvSpPr>
+          <p:cNvPr id="3" name="TextBox 2"/>
+          <p:cNvSpPr txBox="1"/>
+          <p:nvPr/>
+        </p:nvSpPr>
+        <p:spPr>
+          <a:xfrm>
+            <a:off x="0" y="5061181"/>
+            <a:ext cx="12192000" cy="666786"/>
+          </a:xfrm>
+          <a:prstGeom prst="rect">
+            <a:avLst/>
+          </a:prstGeom>
+          <a:noFill/>
+        </p:spPr>
+        <p:txBody>
+          <a:bodyPr wrap="square" rtlCol="0">
+            <a:spAutoFit/>
+          </a:bodyPr>
+          <a:lstStyle/>
+          <a:p>
+            <a:pPr algn="ctr"/>
+            <a:r>
+              <a:rPr lang="en-US" sz="3733" b="1" dirty="0">
+                <a:solidFill>
+                  <a:srgbClr val="660033"/>
+                </a:solidFill>
+              </a:rPr>
+              <a:t>( 4 / 5 )</a:t>
+            </a:r>
+            <a:endParaRPr lang="vi-VN" sz="3733" b="1" dirty="0">
+              <a:solidFill>
+                <a:srgbClr val="660033"/>
+              </a:solidFill>
+            </a:endParaRPr>
+          </a:p>
+        </p:txBody>
+      </p:sp>
+    </p:spTree>
+    <p:extLst>
+      <p:ext uri="{BB962C8B-B14F-4D97-AF65-F5344CB8AC3E}">
+        <p14:creationId xmlns:p14="http://schemas.microsoft.com/office/powerpoint/2010/main" val="3708574980"/>
+      </p:ext>
+    </p:extLst>
+  </p:cSld>
+  <p:clrMapOvr>
+    <a:masterClrMapping/>
+  </p:clrMapOvr>
+  <p:timing>
+    <p:tnLst>
+      <p:par>
+        <p:cTn id="1" dur="indefinite" restart="never" nodeType="tmRoot"/>
+      </p:par>
+    </p:tnLst>
+  </p:timing>
+</p:sld>
+</file>
+
+<file path=ppt/slides/slide13.xml><?xml version="1.0" encoding="utf-8"?>
+<p:sld xmlns:a="http://schemas.openxmlformats.org/drawingml/2006/main" xmlns:r="http://schemas.openxmlformats.org/officeDocument/2006/relationships" xmlns:p="http://schemas.openxmlformats.org/presentationml/2006/main">
+  <p:cSld>
+    <p:spTree>
+      <p:nvGrpSpPr>
+        <p:cNvPr id="1" name=""/>
+        <p:cNvGrpSpPr/>
+        <p:nvPr/>
+      </p:nvGrpSpPr>
+      <p:grpSpPr>
+        <a:xfrm>
+          <a:off x="0" y="0"/>
+          <a:ext cx="0" cy="0"/>
+          <a:chOff x="0" y="0"/>
+          <a:chExt cx="0" cy="0"/>
+        </a:xfrm>
+      </p:grpSpPr>
+      <p:sp>
+        <p:nvSpPr>
+          <p:cNvPr id="5" name="內容版面配置區 4"/>
+          <p:cNvSpPr>
+            <a:spLocks noGrp="1"/>
+          </p:cNvSpPr>
+          <p:nvPr>
+            <p:ph idx="1"/>
+          </p:nvPr>
+        </p:nvSpPr>
+        <p:spPr>
+          <a:xfrm>
+            <a:off x="0" y="2084851"/>
+            <a:ext cx="12192000" cy="2404863"/>
+          </a:xfrm>
+        </p:spPr>
+        <p:txBody>
+          <a:bodyPr anchor="ctr">
+            <a:normAutofit/>
+          </a:bodyPr>
+          <a:lstStyle/>
+          <a:p>
+            <a:pPr marL="0" indent="0" algn="ctr">
+              <a:buNone/>
+            </a:pPr>
+            <a:r>
+              <a:rPr lang="zh-CN" altLang="en-US" sz="6400" b="1" dirty="0">
+                <a:solidFill>
+                  <a:srgbClr val="660033"/>
+                </a:solidFill>
+                <a:latin typeface="Microsoft JhengHei" pitchFamily="34" charset="-120"/>
+                <a:ea typeface="Microsoft JhengHei" pitchFamily="34" charset="-120"/>
+              </a:rPr>
+              <a:t>永遠舉起耶</a:t>
+            </a:r>
+            <a:r>
+              <a:rPr lang="zh-CN" altLang="en-US" sz="6400" b="1" dirty="0">
+                <a:solidFill>
+                  <a:srgbClr val="660033"/>
+                </a:solidFill>
+                <a:latin typeface="Microsoft JhengHei" pitchFamily="34" charset="-120"/>
+                <a:ea typeface="Microsoft JhengHei" pitchFamily="34" charset="-120"/>
+              </a:rPr>
+              <a:t>穌</a:t>
+            </a:r>
+            <a:r>
+              <a:rPr lang="en-US" altLang="zh-CN" sz="6400" b="1" dirty="0">
+                <a:solidFill>
+                  <a:srgbClr val="660033"/>
+                </a:solidFill>
+                <a:latin typeface="Microsoft JhengHei" pitchFamily="34" charset="-120"/>
+                <a:ea typeface="Microsoft JhengHei" pitchFamily="34" charset="-120"/>
+              </a:rPr>
+              <a:t>  </a:t>
+            </a:r>
+            <a:r>
+              <a:rPr lang="zh-CN" altLang="en-US" sz="6400" b="1" dirty="0">
+                <a:solidFill>
+                  <a:srgbClr val="660033"/>
+                </a:solidFill>
+                <a:latin typeface="Microsoft JhengHei" pitchFamily="34" charset="-120"/>
+                <a:ea typeface="Microsoft JhengHei" pitchFamily="34" charset="-120"/>
+              </a:rPr>
+              <a:t>讚</a:t>
+            </a:r>
+            <a:r>
+              <a:rPr lang="zh-CN" altLang="en-US" sz="6400" b="1" dirty="0">
+                <a:solidFill>
+                  <a:srgbClr val="660033"/>
+                </a:solidFill>
+                <a:latin typeface="Microsoft JhengHei" pitchFamily="34" charset="-120"/>
+                <a:ea typeface="Microsoft JhengHei" pitchFamily="34" charset="-120"/>
+              </a:rPr>
+              <a:t>美主不息</a:t>
+            </a:r>
+            <a:endParaRPr lang="en-US" altLang="zh-CN" sz="6400" b="1" dirty="0">
+              <a:solidFill>
+                <a:srgbClr val="660033"/>
+              </a:solidFill>
+              <a:latin typeface="Microsoft JhengHei" pitchFamily="34" charset="-120"/>
+              <a:ea typeface="Microsoft JhengHei" pitchFamily="34" charset="-120"/>
+            </a:endParaRPr>
+          </a:p>
+          <a:p>
+            <a:pPr marL="0" indent="0" algn="ctr">
+              <a:buNone/>
+            </a:pPr>
+            <a:r>
+              <a:rPr lang="zh-CN" altLang="en-US" sz="6400" b="1" dirty="0">
+                <a:solidFill>
+                  <a:srgbClr val="660033"/>
+                </a:solidFill>
+                <a:latin typeface="Microsoft JhengHei" pitchFamily="34" charset="-120"/>
+                <a:ea typeface="Microsoft JhengHei" pitchFamily="34" charset="-120"/>
+              </a:rPr>
+              <a:t>一切在耶穌</a:t>
+            </a:r>
+            <a:r>
+              <a:rPr lang="zh-CN" altLang="en-US" sz="6400" b="1" dirty="0">
+                <a:solidFill>
+                  <a:srgbClr val="660033"/>
+                </a:solidFill>
+                <a:latin typeface="Microsoft JhengHei" pitchFamily="34" charset="-120"/>
+                <a:ea typeface="Microsoft JhengHei" pitchFamily="34" charset="-120"/>
+              </a:rPr>
+              <a:t>裏</a:t>
+            </a:r>
+            <a:r>
+              <a:rPr lang="en-US" altLang="zh-CN" sz="6400" b="1" dirty="0">
+                <a:solidFill>
+                  <a:srgbClr val="660033"/>
+                </a:solidFill>
+                <a:latin typeface="Microsoft JhengHei" pitchFamily="34" charset="-120"/>
+                <a:ea typeface="Microsoft JhengHei" pitchFamily="34" charset="-120"/>
+              </a:rPr>
+              <a:t>  </a:t>
+            </a:r>
+            <a:r>
+              <a:rPr lang="zh-CN" altLang="en-US" sz="6400" b="1" dirty="0">
+                <a:solidFill>
+                  <a:srgbClr val="660033"/>
+                </a:solidFill>
+                <a:latin typeface="Microsoft JhengHei" pitchFamily="34" charset="-120"/>
+                <a:ea typeface="Microsoft JhengHei" pitchFamily="34" charset="-120"/>
+              </a:rPr>
+              <a:t>主</a:t>
+            </a:r>
+            <a:r>
+              <a:rPr lang="zh-CN" altLang="en-US" sz="6400" b="1" dirty="0">
+                <a:solidFill>
+                  <a:srgbClr val="660033"/>
+                </a:solidFill>
+                <a:latin typeface="Microsoft JhengHei" pitchFamily="34" charset="-120"/>
+                <a:ea typeface="Microsoft JhengHei" pitchFamily="34" charset="-120"/>
+              </a:rPr>
+              <a:t>是我的一切</a:t>
+            </a:r>
+            <a:endParaRPr lang="vi-VN" sz="6400" b="1" dirty="0">
+              <a:solidFill>
+                <a:srgbClr val="660033"/>
+              </a:solidFill>
+              <a:latin typeface="Microsoft JhengHei" pitchFamily="34" charset="-120"/>
+              <a:ea typeface="Microsoft JhengHei" pitchFamily="34" charset="-120"/>
+            </a:endParaRPr>
+          </a:p>
+        </p:txBody>
+      </p:sp>
+    </p:spTree>
+    <p:extLst>
+      <p:ext uri="{BB962C8B-B14F-4D97-AF65-F5344CB8AC3E}">
+        <p14:creationId xmlns:p14="http://schemas.microsoft.com/office/powerpoint/2010/main" val="1068905850"/>
+      </p:ext>
+    </p:extLst>
+  </p:cSld>
+  <p:clrMapOvr>
+    <a:masterClrMapping/>
+  </p:clrMapOvr>
+  <p:timing>
+    <p:tnLst>
+      <p:par>
+        <p:cTn id="1" dur="indefinite" restart="never" nodeType="tmRoot"/>
+      </p:par>
+    </p:tnLst>
+  </p:timing>
+</p:sld>
+</file>
+
+<file path=ppt/slides/slide14.xml><?xml version="1.0" encoding="utf-8"?>
+<p:sld xmlns:a="http://schemas.openxmlformats.org/drawingml/2006/main" xmlns:r="http://schemas.openxmlformats.org/officeDocument/2006/relationships" xmlns:p="http://schemas.openxmlformats.org/presentationml/2006/main">
+  <p:cSld>
+    <p:spTree>
+      <p:nvGrpSpPr>
+        <p:cNvPr id="1" name=""/>
+        <p:cNvGrpSpPr/>
+        <p:nvPr/>
+      </p:nvGrpSpPr>
+      <p:grpSpPr>
+        <a:xfrm>
+          <a:off x="0" y="0"/>
+          <a:ext cx="0" cy="0"/>
+          <a:chOff x="0" y="0"/>
+          <a:chExt cx="0" cy="0"/>
+        </a:xfrm>
+      </p:grpSpPr>
+      <p:sp>
+        <p:nvSpPr>
+          <p:cNvPr id="5" name="內容版面配置區 4"/>
+          <p:cNvSpPr>
+            <a:spLocks noGrp="1"/>
+          </p:cNvSpPr>
+          <p:nvPr>
+            <p:ph idx="1"/>
+          </p:nvPr>
+        </p:nvSpPr>
+        <p:spPr>
+          <a:xfrm>
+            <a:off x="0" y="2084851"/>
+            <a:ext cx="12192000" cy="2404863"/>
+          </a:xfrm>
+        </p:spPr>
+        <p:txBody>
+          <a:bodyPr anchor="ctr">
+            <a:normAutofit/>
+          </a:bodyPr>
+          <a:lstStyle/>
+          <a:p>
+            <a:pPr marL="0" indent="0" algn="ctr">
+              <a:buNone/>
+            </a:pPr>
+            <a:r>
+              <a:rPr lang="zh-CN" altLang="en-US" sz="6400" b="1" dirty="0">
+                <a:solidFill>
+                  <a:srgbClr val="660033"/>
+                </a:solidFill>
+                <a:latin typeface="Microsoft JhengHei" pitchFamily="34" charset="-120"/>
+                <a:ea typeface="Microsoft JhengHei" pitchFamily="34" charset="-120"/>
+              </a:rPr>
+              <a:t>前只盼望屬主  今知主屬我</a:t>
+            </a:r>
+            <a:endParaRPr lang="en-US" altLang="zh-CN" sz="6400" b="1" dirty="0">
+              <a:solidFill>
+                <a:srgbClr val="660033"/>
+              </a:solidFill>
+              <a:latin typeface="Microsoft JhengHei" pitchFamily="34" charset="-120"/>
+              <a:ea typeface="Microsoft JhengHei" pitchFamily="34" charset="-120"/>
+            </a:endParaRPr>
+          </a:p>
+          <a:p>
+            <a:pPr marL="0" indent="0" algn="ctr">
+              <a:buNone/>
+            </a:pPr>
+            <a:r>
+              <a:rPr lang="zh-CN" altLang="en-US" sz="6400" b="1" dirty="0">
+                <a:solidFill>
+                  <a:srgbClr val="660033"/>
+                </a:solidFill>
+                <a:latin typeface="Microsoft JhengHei" pitchFamily="34" charset="-120"/>
+                <a:ea typeface="Microsoft JhengHei" pitchFamily="34" charset="-120"/>
+              </a:rPr>
+              <a:t>前我燈將熄滅  今照耀光輝</a:t>
+            </a:r>
+            <a:endParaRPr lang="en-US" altLang="zh-CN" sz="6400" b="1" dirty="0">
+              <a:solidFill>
+                <a:srgbClr val="660033"/>
+              </a:solidFill>
+              <a:latin typeface="Microsoft JhengHei" pitchFamily="34" charset="-120"/>
+              <a:ea typeface="Microsoft JhengHei" pitchFamily="34" charset="-120"/>
+            </a:endParaRPr>
+          </a:p>
+        </p:txBody>
+      </p:sp>
+      <p:sp>
+        <p:nvSpPr>
+          <p:cNvPr id="3" name="TextBox 2"/>
+          <p:cNvSpPr txBox="1"/>
+          <p:nvPr/>
+        </p:nvSpPr>
+        <p:spPr>
+          <a:xfrm>
+            <a:off x="0" y="5061181"/>
+            <a:ext cx="12192000" cy="666786"/>
+          </a:xfrm>
+          <a:prstGeom prst="rect">
+            <a:avLst/>
+          </a:prstGeom>
+          <a:noFill/>
+        </p:spPr>
+        <p:txBody>
+          <a:bodyPr wrap="square" rtlCol="0">
+            <a:spAutoFit/>
+          </a:bodyPr>
+          <a:lstStyle/>
+          <a:p>
+            <a:pPr algn="ctr"/>
+            <a:r>
+              <a:rPr lang="en-US" sz="3733" b="1" dirty="0">
+                <a:solidFill>
+                  <a:srgbClr val="660033"/>
+                </a:solidFill>
+              </a:rPr>
+              <a:t>( 5 / 5 )</a:t>
+            </a:r>
+            <a:endParaRPr lang="vi-VN" sz="3733" b="1" dirty="0">
+              <a:solidFill>
+                <a:srgbClr val="660033"/>
+              </a:solidFill>
+            </a:endParaRPr>
+          </a:p>
+        </p:txBody>
+      </p:sp>
+    </p:spTree>
+    <p:extLst>
+      <p:ext uri="{BB962C8B-B14F-4D97-AF65-F5344CB8AC3E}">
+        <p14:creationId xmlns:p14="http://schemas.microsoft.com/office/powerpoint/2010/main" val="2564691087"/>
+      </p:ext>
+    </p:extLst>
+  </p:cSld>
+  <p:clrMapOvr>
+    <a:masterClrMapping/>
+  </p:clrMapOvr>
+  <p:timing>
+    <p:tnLst>
+      <p:par>
+        <p:cTn id="1" dur="indefinite" restart="never" nodeType="tmRoot"/>
+      </p:par>
+    </p:tnLst>
+  </p:timing>
+</p:sld>
+</file>
+
+<file path=ppt/slides/slide15.xml><?xml version="1.0" encoding="utf-8"?>
+<p:sld xmlns:a="http://schemas.openxmlformats.org/drawingml/2006/main" xmlns:r="http://schemas.openxmlformats.org/officeDocument/2006/relationships" xmlns:p="http://schemas.openxmlformats.org/presentationml/2006/main">
+  <p:cSld>
+    <p:spTree>
+      <p:nvGrpSpPr>
+        <p:cNvPr id="1" name=""/>
+        <p:cNvGrpSpPr/>
+        <p:nvPr/>
+      </p:nvGrpSpPr>
+      <p:grpSpPr>
+        <a:xfrm>
+          <a:off x="0" y="0"/>
+          <a:ext cx="0" cy="0"/>
+          <a:chOff x="0" y="0"/>
+          <a:chExt cx="0" cy="0"/>
+        </a:xfrm>
+      </p:grpSpPr>
+      <p:sp>
+        <p:nvSpPr>
+          <p:cNvPr id="5" name="內容版面配置區 4"/>
+          <p:cNvSpPr>
+            <a:spLocks noGrp="1"/>
+          </p:cNvSpPr>
+          <p:nvPr>
+            <p:ph idx="1"/>
+          </p:nvPr>
+        </p:nvSpPr>
+        <p:spPr>
+          <a:xfrm>
+            <a:off x="0" y="2084851"/>
+            <a:ext cx="12192000" cy="2404863"/>
+          </a:xfrm>
+        </p:spPr>
+        <p:txBody>
+          <a:bodyPr anchor="ctr">
+            <a:normAutofit/>
+          </a:bodyPr>
+          <a:lstStyle/>
+          <a:p>
+            <a:pPr marL="0" indent="0" algn="ctr">
+              <a:buNone/>
+            </a:pPr>
+            <a:r>
+              <a:rPr lang="zh-CN" altLang="en-US" sz="6400" b="1" dirty="0">
+                <a:solidFill>
+                  <a:srgbClr val="660033"/>
+                </a:solidFill>
+                <a:latin typeface="Microsoft JhengHei" pitchFamily="34" charset="-120"/>
+                <a:ea typeface="Microsoft JhengHei" pitchFamily="34" charset="-120"/>
+              </a:rPr>
+              <a:t>前所等的是死  今望主再臨</a:t>
+            </a:r>
+            <a:endParaRPr lang="en-US" altLang="zh-CN" sz="6400" b="1" dirty="0">
+              <a:solidFill>
+                <a:srgbClr val="660033"/>
+              </a:solidFill>
+              <a:latin typeface="Microsoft JhengHei" pitchFamily="34" charset="-120"/>
+              <a:ea typeface="Microsoft JhengHei" pitchFamily="34" charset="-120"/>
+            </a:endParaRPr>
+          </a:p>
+          <a:p>
+            <a:pPr marL="0" indent="0" algn="ctr">
+              <a:buNone/>
+            </a:pPr>
+            <a:r>
+              <a:rPr lang="zh-CN" altLang="en-US" sz="6400" b="1" dirty="0">
+                <a:solidFill>
+                  <a:srgbClr val="660033"/>
+                </a:solidFill>
+                <a:latin typeface="Microsoft JhengHei" pitchFamily="34" charset="-120"/>
+                <a:ea typeface="Microsoft JhengHei" pitchFamily="34" charset="-120"/>
+              </a:rPr>
+              <a:t>我心一切盼望  安妥在幔內</a:t>
+            </a:r>
+            <a:endParaRPr lang="vi-VN" sz="6400" b="1" dirty="0">
+              <a:solidFill>
+                <a:srgbClr val="660033"/>
+              </a:solidFill>
+              <a:latin typeface="Microsoft JhengHei" pitchFamily="34" charset="-120"/>
+              <a:ea typeface="Microsoft JhengHei" pitchFamily="34" charset="-120"/>
+            </a:endParaRPr>
+          </a:p>
+        </p:txBody>
+      </p:sp>
+      <p:sp>
+        <p:nvSpPr>
+          <p:cNvPr id="3" name="TextBox 2"/>
+          <p:cNvSpPr txBox="1"/>
+          <p:nvPr/>
+        </p:nvSpPr>
+        <p:spPr>
+          <a:xfrm>
+            <a:off x="0" y="5061181"/>
+            <a:ext cx="12192000" cy="666786"/>
+          </a:xfrm>
+          <a:prstGeom prst="rect">
+            <a:avLst/>
+          </a:prstGeom>
+          <a:noFill/>
+        </p:spPr>
+        <p:txBody>
+          <a:bodyPr wrap="square" rtlCol="0">
+            <a:spAutoFit/>
+          </a:bodyPr>
+          <a:lstStyle/>
+          <a:p>
+            <a:pPr algn="ctr"/>
+            <a:r>
+              <a:rPr lang="en-US" sz="3733" b="1" dirty="0">
+                <a:solidFill>
+                  <a:srgbClr val="660033"/>
+                </a:solidFill>
+              </a:rPr>
+              <a:t>( 5 / 5 )</a:t>
+            </a:r>
+            <a:endParaRPr lang="vi-VN" sz="3733" b="1" dirty="0">
+              <a:solidFill>
+                <a:srgbClr val="660033"/>
+              </a:solidFill>
+            </a:endParaRPr>
+          </a:p>
+        </p:txBody>
+      </p:sp>
+    </p:spTree>
+    <p:extLst>
+      <p:ext uri="{BB962C8B-B14F-4D97-AF65-F5344CB8AC3E}">
+        <p14:creationId xmlns:p14="http://schemas.microsoft.com/office/powerpoint/2010/main" val="2778771153"/>
+      </p:ext>
+    </p:extLst>
+  </p:cSld>
+  <p:clrMapOvr>
+    <a:masterClrMapping/>
+  </p:clrMapOvr>
+  <p:timing>
+    <p:tnLst>
+      <p:par>
+        <p:cTn id="1" dur="indefinite" restart="never" nodeType="tmRoot"/>
+      </p:par>
+    </p:tnLst>
+  </p:timing>
+</p:sld>
+</file>
+
+<file path=ppt/slides/slide16.xml><?xml version="1.0" encoding="utf-8"?>
+<p:sld xmlns:a="http://schemas.openxmlformats.org/drawingml/2006/main" xmlns:r="http://schemas.openxmlformats.org/officeDocument/2006/relationships" xmlns:p="http://schemas.openxmlformats.org/presentationml/2006/main">
+  <p:cSld>
+    <p:spTree>
+      <p:nvGrpSpPr>
+        <p:cNvPr id="1" name=""/>
+        <p:cNvGrpSpPr/>
+        <p:nvPr/>
+      </p:nvGrpSpPr>
+      <p:grpSpPr>
+        <a:xfrm>
+          <a:off x="0" y="0"/>
+          <a:ext cx="0" cy="0"/>
+          <a:chOff x="0" y="0"/>
+          <a:chExt cx="0" cy="0"/>
+        </a:xfrm>
+      </p:grpSpPr>
+      <p:sp>
+        <p:nvSpPr>
+          <p:cNvPr id="5" name="內容版面配置區 4"/>
+          <p:cNvSpPr>
+            <a:spLocks noGrp="1"/>
+          </p:cNvSpPr>
+          <p:nvPr>
+            <p:ph idx="1"/>
+          </p:nvPr>
+        </p:nvSpPr>
+        <p:spPr>
+          <a:xfrm>
+            <a:off x="0" y="2084851"/>
+            <a:ext cx="12192000" cy="2404863"/>
+          </a:xfrm>
+        </p:spPr>
+        <p:txBody>
+          <a:bodyPr anchor="ctr">
+            <a:normAutofit/>
+          </a:bodyPr>
+          <a:lstStyle/>
+          <a:p>
+            <a:pPr marL="0" indent="0" algn="ctr">
+              <a:buNone/>
+            </a:pPr>
+            <a:r>
+              <a:rPr lang="zh-CN" altLang="en-US" sz="6400" b="1" dirty="0">
+                <a:solidFill>
+                  <a:srgbClr val="660033"/>
+                </a:solidFill>
+                <a:latin typeface="Microsoft JhengHei" pitchFamily="34" charset="-120"/>
+                <a:ea typeface="Microsoft JhengHei" pitchFamily="34" charset="-120"/>
+              </a:rPr>
+              <a:t>永遠舉起耶</a:t>
+            </a:r>
+            <a:r>
+              <a:rPr lang="zh-CN" altLang="en-US" sz="6400" b="1" dirty="0">
+                <a:solidFill>
+                  <a:srgbClr val="660033"/>
+                </a:solidFill>
+                <a:latin typeface="Microsoft JhengHei" pitchFamily="34" charset="-120"/>
+                <a:ea typeface="Microsoft JhengHei" pitchFamily="34" charset="-120"/>
+              </a:rPr>
+              <a:t>穌</a:t>
+            </a:r>
+            <a:r>
+              <a:rPr lang="en-US" altLang="zh-CN" sz="6400" b="1" dirty="0">
+                <a:solidFill>
+                  <a:srgbClr val="660033"/>
+                </a:solidFill>
+                <a:latin typeface="Microsoft JhengHei" pitchFamily="34" charset="-120"/>
+                <a:ea typeface="Microsoft JhengHei" pitchFamily="34" charset="-120"/>
+              </a:rPr>
+              <a:t>  </a:t>
+            </a:r>
+            <a:r>
+              <a:rPr lang="zh-CN" altLang="en-US" sz="6400" b="1" dirty="0">
+                <a:solidFill>
+                  <a:srgbClr val="660033"/>
+                </a:solidFill>
+                <a:latin typeface="Microsoft JhengHei" pitchFamily="34" charset="-120"/>
+                <a:ea typeface="Microsoft JhengHei" pitchFamily="34" charset="-120"/>
+              </a:rPr>
+              <a:t>讚</a:t>
+            </a:r>
+            <a:r>
+              <a:rPr lang="zh-CN" altLang="en-US" sz="6400" b="1" dirty="0">
+                <a:solidFill>
+                  <a:srgbClr val="660033"/>
+                </a:solidFill>
+                <a:latin typeface="Microsoft JhengHei" pitchFamily="34" charset="-120"/>
+                <a:ea typeface="Microsoft JhengHei" pitchFamily="34" charset="-120"/>
+              </a:rPr>
+              <a:t>美主不息</a:t>
+            </a:r>
+            <a:endParaRPr lang="en-US" altLang="zh-CN" sz="6400" b="1" dirty="0">
+              <a:solidFill>
+                <a:srgbClr val="660033"/>
+              </a:solidFill>
+              <a:latin typeface="Microsoft JhengHei" pitchFamily="34" charset="-120"/>
+              <a:ea typeface="Microsoft JhengHei" pitchFamily="34" charset="-120"/>
+            </a:endParaRPr>
+          </a:p>
+          <a:p>
+            <a:pPr marL="0" indent="0" algn="ctr">
+              <a:buNone/>
+            </a:pPr>
+            <a:r>
+              <a:rPr lang="zh-CN" altLang="en-US" sz="6400" b="1" dirty="0">
+                <a:solidFill>
+                  <a:srgbClr val="660033"/>
+                </a:solidFill>
+                <a:latin typeface="Microsoft JhengHei" pitchFamily="34" charset="-120"/>
+                <a:ea typeface="Microsoft JhengHei" pitchFamily="34" charset="-120"/>
+              </a:rPr>
+              <a:t>一切在耶穌</a:t>
+            </a:r>
+            <a:r>
+              <a:rPr lang="zh-CN" altLang="en-US" sz="6400" b="1" dirty="0">
+                <a:solidFill>
+                  <a:srgbClr val="660033"/>
+                </a:solidFill>
+                <a:latin typeface="Microsoft JhengHei" pitchFamily="34" charset="-120"/>
+                <a:ea typeface="Microsoft JhengHei" pitchFamily="34" charset="-120"/>
+              </a:rPr>
+              <a:t>裏</a:t>
+            </a:r>
+            <a:r>
+              <a:rPr lang="en-US" altLang="zh-CN" sz="6400" b="1" dirty="0">
+                <a:solidFill>
+                  <a:srgbClr val="660033"/>
+                </a:solidFill>
+                <a:latin typeface="Microsoft JhengHei" pitchFamily="34" charset="-120"/>
+                <a:ea typeface="Microsoft JhengHei" pitchFamily="34" charset="-120"/>
+              </a:rPr>
+              <a:t>  </a:t>
+            </a:r>
+            <a:r>
+              <a:rPr lang="zh-CN" altLang="en-US" sz="6400" b="1" dirty="0">
+                <a:solidFill>
+                  <a:srgbClr val="660033"/>
+                </a:solidFill>
+                <a:latin typeface="Microsoft JhengHei" pitchFamily="34" charset="-120"/>
+                <a:ea typeface="Microsoft JhengHei" pitchFamily="34" charset="-120"/>
+              </a:rPr>
+              <a:t>主</a:t>
+            </a:r>
+            <a:r>
+              <a:rPr lang="zh-CN" altLang="en-US" sz="6400" b="1" dirty="0">
+                <a:solidFill>
+                  <a:srgbClr val="660033"/>
+                </a:solidFill>
+                <a:latin typeface="Microsoft JhengHei" pitchFamily="34" charset="-120"/>
+                <a:ea typeface="Microsoft JhengHei" pitchFamily="34" charset="-120"/>
+              </a:rPr>
+              <a:t>是我的一切</a:t>
+            </a:r>
+            <a:endParaRPr lang="vi-VN" sz="6400" b="1" dirty="0">
+              <a:solidFill>
+                <a:srgbClr val="660033"/>
+              </a:solidFill>
+              <a:latin typeface="Microsoft JhengHei" pitchFamily="34" charset="-120"/>
+              <a:ea typeface="Microsoft JhengHei" pitchFamily="34" charset="-120"/>
+            </a:endParaRPr>
+          </a:p>
+        </p:txBody>
+      </p:sp>
+    </p:spTree>
+    <p:extLst>
+      <p:ext uri="{BB962C8B-B14F-4D97-AF65-F5344CB8AC3E}">
+        <p14:creationId xmlns:p14="http://schemas.microsoft.com/office/powerpoint/2010/main" val="3343263433"/>
+      </p:ext>
+    </p:extLst>
+  </p:cSld>
+  <p:clrMapOvr>
+    <a:masterClrMapping/>
+  </p:clrMapOvr>
+  <p:timing>
+    <p:tnLst>
+      <p:par>
+        <p:cTn id="1" dur="indefinite" restart="never" nodeType="tmRoot"/>
+      </p:par>
+    </p:tnLst>
+  </p:timing>
 </p:sld>
 </file>
 
@@ -3526,152 +4427,116 @@
       </p:grpSpPr>
       <p:sp>
         <p:nvSpPr>
-          <p:cNvPr id="2" name="Title 1"/>
-          <p:cNvSpPr>
-            <a:spLocks noGrp="1"/>
-          </p:cNvSpPr>
-          <p:nvPr>
-            <p:ph type="title"/>
-          </p:nvPr>
-        </p:nvSpPr>
-        <p:spPr/>
-        <p:txBody>
-          <a:bodyPr>
+          <p:cNvPr id="5" name="內容版面配置區 4"/>
+          <p:cNvSpPr>
+            <a:spLocks noGrp="1"/>
+          </p:cNvSpPr>
+          <p:nvPr>
+            <p:ph idx="1"/>
+          </p:nvPr>
+        </p:nvSpPr>
+        <p:spPr>
+          <a:xfrm>
+            <a:off x="0" y="2084851"/>
+            <a:ext cx="12192000" cy="2404863"/>
+          </a:xfrm>
+        </p:spPr>
+        <p:txBody>
+          <a:bodyPr anchor="ctr">
             <a:normAutofit/>
           </a:bodyPr>
           <a:lstStyle/>
           <a:p>
-            <a:r>
-              <a:rPr lang="zh-CN" altLang="en-US" sz="4800" b="1" dirty="0" smtClean="0">
-                <a:solidFill>
-                  <a:srgbClr val="002060"/>
-                </a:solidFill>
-                <a:latin typeface="Microsoft JhengHei" panose="020B0604030504040204" pitchFamily="34" charset="-120"/>
-                <a:ea typeface="Microsoft JhengHei" panose="020B0604030504040204" pitchFamily="34" charset="-120"/>
-              </a:rPr>
-              <a:t>主自己</a:t>
-            </a:r>
-            <a:endParaRPr lang="vi-VN" sz="4800" b="1" dirty="0">
+            <a:pPr marL="0" indent="0" algn="ctr">
+              <a:buNone/>
+            </a:pPr>
+            <a:r>
+              <a:rPr lang="zh-CN" altLang="en-US" sz="6400" b="1" dirty="0">
+                <a:solidFill>
+                  <a:srgbClr val="660033"/>
+                </a:solidFill>
+                <a:latin typeface="Microsoft JhengHei" pitchFamily="34" charset="-120"/>
+                <a:ea typeface="Microsoft JhengHei" pitchFamily="34" charset="-120"/>
+              </a:rPr>
+              <a:t>前</a:t>
+            </a:r>
+            <a:r>
+              <a:rPr lang="zh-CN" altLang="en-US" sz="6400" b="1" dirty="0">
+                <a:solidFill>
+                  <a:srgbClr val="660033"/>
+                </a:solidFill>
+                <a:latin typeface="Microsoft JhengHei" pitchFamily="34" charset="-120"/>
+                <a:ea typeface="Microsoft JhengHei" pitchFamily="34" charset="-120"/>
+              </a:rPr>
+              <a:t>要的是福祉  今要的是主</a:t>
+            </a:r>
+            <a:endParaRPr lang="en-US" altLang="zh-CN" sz="6400" b="1" dirty="0">
               <a:solidFill>
-                <a:srgbClr val="002060"/>
+                <a:srgbClr val="660033"/>
               </a:solidFill>
-              <a:ea typeface="Microsoft JhengHei" panose="020B0604030504040204" pitchFamily="34" charset="-120"/>
+              <a:latin typeface="Microsoft JhengHei" pitchFamily="34" charset="-120"/>
+              <a:ea typeface="Microsoft JhengHei" pitchFamily="34" charset="-120"/>
             </a:endParaRPr>
           </a:p>
-        </p:txBody>
-      </p:sp>
-      <p:sp>
-        <p:nvSpPr>
-          <p:cNvPr id="3" name="Content Placeholder 2"/>
-          <p:cNvSpPr>
-            <a:spLocks noGrp="1"/>
-          </p:cNvSpPr>
-          <p:nvPr>
-            <p:ph idx="1"/>
-          </p:nvPr>
-        </p:nvSpPr>
-        <p:spPr/>
-        <p:txBody>
-          <a:bodyPr>
-            <a:normAutofit/>
+          <a:p>
+            <a:pPr marL="0" indent="0" algn="ctr">
+              <a:buNone/>
+            </a:pPr>
+            <a:r>
+              <a:rPr lang="zh-CN" altLang="en-US" sz="6400" b="1" dirty="0">
+                <a:solidFill>
+                  <a:srgbClr val="660033"/>
+                </a:solidFill>
+                <a:latin typeface="Microsoft JhengHei" pitchFamily="34" charset="-120"/>
+                <a:ea typeface="Microsoft JhengHei" pitchFamily="34" charset="-120"/>
+              </a:rPr>
+              <a:t>前要的是感覺  今要主言語</a:t>
+            </a:r>
+            <a:endParaRPr lang="en-US" altLang="zh-CN" sz="6400" b="1" dirty="0">
+              <a:solidFill>
+                <a:srgbClr val="660033"/>
+              </a:solidFill>
+              <a:latin typeface="Microsoft JhengHei" pitchFamily="34" charset="-120"/>
+              <a:ea typeface="Microsoft JhengHei" pitchFamily="34" charset="-120"/>
+            </a:endParaRPr>
+          </a:p>
+        </p:txBody>
+      </p:sp>
+      <p:sp>
+        <p:nvSpPr>
+          <p:cNvPr id="3" name="TextBox 2"/>
+          <p:cNvSpPr txBox="1"/>
+          <p:nvPr/>
+        </p:nvSpPr>
+        <p:spPr>
+          <a:xfrm>
+            <a:off x="0" y="5061181"/>
+            <a:ext cx="12192000" cy="666786"/>
+          </a:xfrm>
+          <a:prstGeom prst="rect">
+            <a:avLst/>
+          </a:prstGeom>
+          <a:noFill/>
+        </p:spPr>
+        <p:txBody>
+          <a:bodyPr wrap="square" rtlCol="0">
+            <a:spAutoFit/>
           </a:bodyPr>
           <a:lstStyle/>
           <a:p>
-            <a:pPr marL="0" indent="0" algn="ctr">
-              <a:buNone/>
-            </a:pPr>
-            <a:r>
-              <a:rPr lang="zh-CN" altLang="en-US" sz="5400" b="1" dirty="0" smtClean="0">
-                <a:solidFill>
-                  <a:srgbClr val="002060"/>
-                </a:solidFill>
-                <a:ea typeface="Microsoft JhengHei" panose="020B0604030504040204" pitchFamily="34" charset="-120"/>
-              </a:rPr>
-              <a:t>永遠舉起耶穌</a:t>
-            </a:r>
-            <a:endParaRPr lang="en-US" altLang="zh-CN" sz="5400" b="1" dirty="0" smtClean="0">
+            <a:pPr algn="ctr"/>
+            <a:r>
+              <a:rPr lang="en-US" sz="3733" b="1" dirty="0">
+                <a:solidFill>
+                  <a:srgbClr val="660033"/>
+                </a:solidFill>
+              </a:rPr>
+              <a:t>( 1 / 5 )</a:t>
+            </a:r>
+            <a:endParaRPr lang="vi-VN" sz="3733" b="1" dirty="0">
               <a:solidFill>
-                <a:srgbClr val="002060"/>
+                <a:srgbClr val="660033"/>
               </a:solidFill>
-              <a:ea typeface="Microsoft JhengHei" panose="020B0604030504040204" pitchFamily="34" charset="-120"/>
-            </a:endParaRPr>
-          </a:p>
-          <a:p>
-            <a:pPr marL="0" indent="0" algn="ctr">
-              <a:buNone/>
-            </a:pPr>
-            <a:r>
-              <a:rPr lang="zh-CN" altLang="en-US" sz="5400" b="1" dirty="0">
-                <a:solidFill>
-                  <a:srgbClr val="002060"/>
-                </a:solidFill>
-                <a:ea typeface="Microsoft JhengHei" panose="020B0604030504040204" pitchFamily="34" charset="-120"/>
-              </a:rPr>
-              <a:t>讚</a:t>
-            </a:r>
-            <a:r>
-              <a:rPr lang="zh-CN" altLang="en-US" sz="5400" b="1" dirty="0" smtClean="0">
-                <a:solidFill>
-                  <a:srgbClr val="002060"/>
-                </a:solidFill>
-                <a:ea typeface="Microsoft JhengHei" panose="020B0604030504040204" pitchFamily="34" charset="-120"/>
-              </a:rPr>
-              <a:t>美主不息</a:t>
-            </a:r>
-            <a:endParaRPr lang="en-US" altLang="zh-CN" sz="5400" b="1" dirty="0" smtClean="0">
-              <a:solidFill>
-                <a:srgbClr val="002060"/>
-              </a:solidFill>
-              <a:ea typeface="Microsoft JhengHei" panose="020B0604030504040204" pitchFamily="34" charset="-120"/>
-            </a:endParaRPr>
-          </a:p>
-          <a:p>
-            <a:pPr marL="0" indent="0" algn="ctr">
-              <a:buNone/>
-            </a:pPr>
-            <a:r>
-              <a:rPr lang="zh-CN" altLang="en-US" sz="5400" b="1" dirty="0">
-                <a:solidFill>
-                  <a:srgbClr val="002060"/>
-                </a:solidFill>
-                <a:ea typeface="Microsoft JhengHei" panose="020B0604030504040204" pitchFamily="34" charset="-120"/>
-              </a:rPr>
-              <a:t>一</a:t>
-            </a:r>
-            <a:r>
-              <a:rPr lang="zh-CN" altLang="en-US" sz="5400" b="1" dirty="0" smtClean="0">
-                <a:solidFill>
-                  <a:srgbClr val="002060"/>
-                </a:solidFill>
-                <a:ea typeface="Microsoft JhengHei" panose="020B0604030504040204" pitchFamily="34" charset="-120"/>
-              </a:rPr>
-              <a:t>切在耶穌裏</a:t>
-            </a:r>
-            <a:endParaRPr lang="en-US" altLang="zh-CN" sz="5400" b="1" dirty="0" smtClean="0">
-              <a:solidFill>
-                <a:srgbClr val="002060"/>
-              </a:solidFill>
-              <a:ea typeface="Microsoft JhengHei" panose="020B0604030504040204" pitchFamily="34" charset="-120"/>
-            </a:endParaRPr>
-          </a:p>
-          <a:p>
-            <a:pPr marL="0" indent="0" algn="ctr">
-              <a:buNone/>
-            </a:pPr>
-            <a:r>
-              <a:rPr lang="zh-CN" altLang="en-US" sz="5400" b="1" dirty="0" smtClean="0">
-                <a:solidFill>
-                  <a:srgbClr val="002060"/>
-                </a:solidFill>
-                <a:ea typeface="Microsoft JhengHei" panose="020B0604030504040204" pitchFamily="34" charset="-120"/>
-              </a:rPr>
-              <a:t>主是我的一切</a:t>
-            </a:r>
-            <a:endParaRPr lang="vi-VN" sz="5400" b="1" dirty="0">
-              <a:solidFill>
-                <a:srgbClr val="002060"/>
-              </a:solidFill>
-              <a:ea typeface="Microsoft JhengHei" panose="020B0604030504040204" pitchFamily="34" charset="-120"/>
             </a:endParaRPr>
           </a:p>
         </p:txBody>
@@ -3679,13 +4544,20 @@
     </p:spTree>
     <p:extLst>
       <p:ext uri="{BB962C8B-B14F-4D97-AF65-F5344CB8AC3E}">
-        <p14:creationId xmlns:p14="http://schemas.microsoft.com/office/powerpoint/2010/main" val="1182433527"/>
+        <p14:creationId xmlns:p14="http://schemas.microsoft.com/office/powerpoint/2010/main" val="3573482494"/>
       </p:ext>
     </p:extLst>
   </p:cSld>
   <p:clrMapOvr>
     <a:masterClrMapping/>
   </p:clrMapOvr>
+  <p:timing>
+    <p:tnLst>
+      <p:par>
+        <p:cTn id="1" dur="indefinite" restart="never" nodeType="tmRoot"/>
+      </p:par>
+    </p:tnLst>
+  </p:timing>
 </p:sld>
 </file>
 
@@ -3708,165 +4580,81 @@
       </p:grpSpPr>
       <p:sp>
         <p:nvSpPr>
-          <p:cNvPr id="2" name="Title 1"/>
-          <p:cNvSpPr>
-            <a:spLocks noGrp="1"/>
-          </p:cNvSpPr>
-          <p:nvPr>
-            <p:ph type="title"/>
-          </p:nvPr>
-        </p:nvSpPr>
-        <p:spPr/>
-        <p:txBody>
-          <a:bodyPr>
+          <p:cNvPr id="5" name="內容版面配置區 4"/>
+          <p:cNvSpPr>
+            <a:spLocks noGrp="1"/>
+          </p:cNvSpPr>
+          <p:nvPr>
+            <p:ph idx="1"/>
+          </p:nvPr>
+        </p:nvSpPr>
+        <p:spPr>
+          <a:xfrm>
+            <a:off x="0" y="2084851"/>
+            <a:ext cx="12192000" cy="2404863"/>
+          </a:xfrm>
+        </p:spPr>
+        <p:txBody>
+          <a:bodyPr anchor="ctr">
             <a:normAutofit/>
           </a:bodyPr>
           <a:lstStyle/>
           <a:p>
-            <a:r>
-              <a:rPr lang="zh-CN" altLang="en-US" sz="4800" b="1" dirty="0" smtClean="0">
-                <a:solidFill>
-                  <a:srgbClr val="002060"/>
-                </a:solidFill>
-                <a:latin typeface="Microsoft JhengHei" panose="020B0604030504040204" pitchFamily="34" charset="-120"/>
-                <a:ea typeface="Microsoft JhengHei" panose="020B0604030504040204" pitchFamily="34" charset="-120"/>
-              </a:rPr>
-              <a:t>主自己</a:t>
-            </a:r>
-            <a:endParaRPr lang="vi-VN" sz="4800" b="1" dirty="0">
+            <a:pPr marL="0" indent="0" algn="ctr">
+              <a:buNone/>
+            </a:pPr>
+            <a:r>
+              <a:rPr lang="zh-CN" altLang="en-US" sz="6400" b="1" dirty="0">
+                <a:solidFill>
+                  <a:srgbClr val="660033"/>
+                </a:solidFill>
+                <a:latin typeface="Microsoft JhengHei" pitchFamily="34" charset="-120"/>
+                <a:ea typeface="Microsoft JhengHei" pitchFamily="34" charset="-120"/>
+              </a:rPr>
+              <a:t>前要的是恩賜  今要賜恩主</a:t>
+            </a:r>
+            <a:endParaRPr lang="en-US" altLang="zh-CN" sz="6400" b="1" dirty="0">
               <a:solidFill>
-                <a:srgbClr val="002060"/>
+                <a:srgbClr val="660033"/>
               </a:solidFill>
-              <a:ea typeface="Microsoft JhengHei" panose="020B0604030504040204" pitchFamily="34" charset="-120"/>
+              <a:latin typeface="Microsoft JhengHei" pitchFamily="34" charset="-120"/>
+              <a:ea typeface="Microsoft JhengHei" pitchFamily="34" charset="-120"/>
             </a:endParaRPr>
           </a:p>
-        </p:txBody>
-      </p:sp>
-      <p:sp>
-        <p:nvSpPr>
-          <p:cNvPr id="3" name="Content Placeholder 2"/>
-          <p:cNvSpPr>
-            <a:spLocks noGrp="1"/>
-          </p:cNvSpPr>
-          <p:nvPr>
-            <p:ph idx="1"/>
-          </p:nvPr>
-        </p:nvSpPr>
-        <p:spPr/>
-        <p:txBody>
-          <a:bodyPr>
-            <a:normAutofit/>
-          </a:bodyPr>
-          <a:lstStyle/>
           <a:p>
             <a:pPr marL="0" indent="0" algn="ctr">
               <a:buNone/>
             </a:pPr>
             <a:r>
-              <a:rPr lang="zh-CN" altLang="en-US" sz="5400" b="1" dirty="0" smtClean="0">
-                <a:solidFill>
-                  <a:srgbClr val="002060"/>
-                </a:solidFill>
-                <a:latin typeface="Microsoft JhengHei" panose="020B0604030504040204" pitchFamily="34" charset="-120"/>
-                <a:ea typeface="Microsoft JhengHei" panose="020B0604030504040204" pitchFamily="34" charset="-120"/>
-              </a:rPr>
-              <a:t>前用己力苦試  今惟主是靠</a:t>
-            </a:r>
-            <a:endParaRPr lang="en-US" altLang="zh-CN" sz="5400" b="1" dirty="0" smtClean="0">
+              <a:rPr lang="zh-CN" altLang="en-US" sz="6400" b="1" dirty="0">
+                <a:solidFill>
+                  <a:srgbClr val="660033"/>
+                </a:solidFill>
+                <a:latin typeface="Microsoft JhengHei" pitchFamily="34" charset="-120"/>
+                <a:ea typeface="Microsoft JhengHei" pitchFamily="34" charset="-120"/>
+              </a:rPr>
+              <a:t>前我尋求醫治  今要主自己</a:t>
+            </a:r>
+            <a:endParaRPr lang="vi-VN" sz="6400" b="1" dirty="0">
               <a:solidFill>
-                <a:srgbClr val="002060"/>
+                <a:srgbClr val="660033"/>
               </a:solidFill>
-              <a:latin typeface="Microsoft JhengHei" panose="020B0604030504040204" pitchFamily="34" charset="-120"/>
-              <a:ea typeface="Microsoft JhengHei" panose="020B0604030504040204" pitchFamily="34" charset="-120"/>
+              <a:latin typeface="Microsoft JhengHei" pitchFamily="34" charset="-120"/>
+              <a:ea typeface="Microsoft JhengHei" pitchFamily="34" charset="-120"/>
             </a:endParaRPr>
           </a:p>
-          <a:p>
-            <a:pPr marL="0" indent="0" algn="ctr">
-              <a:buNone/>
-            </a:pPr>
-            <a:r>
-              <a:rPr lang="zh-CN" altLang="en-US" sz="5400" b="1" dirty="0">
-                <a:solidFill>
-                  <a:srgbClr val="002060"/>
-                </a:solidFill>
-                <a:latin typeface="Microsoft JhengHei" panose="020B0604030504040204" pitchFamily="34" charset="-120"/>
-                <a:ea typeface="Microsoft JhengHei" panose="020B0604030504040204" pitchFamily="34" charset="-120"/>
-              </a:rPr>
-              <a:t>前</a:t>
-            </a:r>
-            <a:r>
-              <a:rPr lang="zh-CN" altLang="en-US" sz="5400" b="1" dirty="0" smtClean="0">
-                <a:solidFill>
-                  <a:srgbClr val="002060"/>
-                </a:solidFill>
-                <a:latin typeface="Microsoft JhengHei" panose="020B0604030504040204" pitchFamily="34" charset="-120"/>
-                <a:ea typeface="Microsoft JhengHei" panose="020B0604030504040204" pitchFamily="34" charset="-120"/>
-              </a:rPr>
-              <a:t>要一半救恩  今完全拯救</a:t>
-            </a:r>
-            <a:endParaRPr lang="en-US" altLang="zh-CN" sz="5400" b="1" dirty="0" smtClean="0">
-              <a:solidFill>
-                <a:srgbClr val="002060"/>
-              </a:solidFill>
-              <a:latin typeface="Microsoft JhengHei" panose="020B0604030504040204" pitchFamily="34" charset="-120"/>
-              <a:ea typeface="Microsoft JhengHei" panose="020B0604030504040204" pitchFamily="34" charset="-120"/>
-            </a:endParaRPr>
-          </a:p>
-          <a:p>
-            <a:pPr marL="0" indent="0" algn="ctr">
-              <a:buNone/>
-            </a:pPr>
-            <a:r>
-              <a:rPr lang="zh-CN" altLang="en-US" sz="5400" b="1" dirty="0" smtClean="0">
-                <a:solidFill>
-                  <a:srgbClr val="002060"/>
-                </a:solidFill>
-                <a:latin typeface="Microsoft JhengHei" panose="020B0604030504040204" pitchFamily="34" charset="-120"/>
-                <a:ea typeface="Microsoft JhengHei" panose="020B0604030504040204" pitchFamily="34" charset="-120"/>
-              </a:rPr>
-              <a:t>前用手堅持主  今主牽我手</a:t>
-            </a:r>
-            <a:endParaRPr lang="en-US" altLang="zh-CN" sz="5400" b="1" dirty="0" smtClean="0">
-              <a:solidFill>
-                <a:srgbClr val="002060"/>
-              </a:solidFill>
-              <a:latin typeface="Microsoft JhengHei" panose="020B0604030504040204" pitchFamily="34" charset="-120"/>
-              <a:ea typeface="Microsoft JhengHei" panose="020B0604030504040204" pitchFamily="34" charset="-120"/>
-            </a:endParaRPr>
-          </a:p>
-          <a:p>
-            <a:pPr marL="0" indent="0" algn="ctr">
-              <a:buNone/>
-            </a:pPr>
-            <a:r>
-              <a:rPr lang="zh-CN" altLang="en-US" sz="5400" b="1" dirty="0">
-                <a:solidFill>
-                  <a:srgbClr val="002060"/>
-                </a:solidFill>
-                <a:latin typeface="Microsoft JhengHei" panose="020B0604030504040204" pitchFamily="34" charset="-120"/>
-                <a:ea typeface="Microsoft JhengHei" panose="020B0604030504040204" pitchFamily="34" charset="-120"/>
-              </a:rPr>
-              <a:t>前常漂流無定  今錨己抛妥</a:t>
-            </a:r>
-            <a:endParaRPr lang="vi-VN" sz="5400" b="1" dirty="0">
-              <a:solidFill>
-                <a:srgbClr val="002060"/>
-              </a:solidFill>
-              <a:ea typeface="Microsoft JhengHei" panose="020B0604030504040204" pitchFamily="34" charset="-120"/>
-            </a:endParaRPr>
-          </a:p>
-        </p:txBody>
-      </p:sp>
-      <p:sp>
-        <p:nvSpPr>
-          <p:cNvPr id="4" name="TextBox 3"/>
+        </p:txBody>
+      </p:sp>
+      <p:sp>
+        <p:nvSpPr>
+          <p:cNvPr id="3" name="TextBox 2"/>
           <p:cNvSpPr txBox="1"/>
           <p:nvPr/>
         </p:nvSpPr>
         <p:spPr>
           <a:xfrm>
-            <a:off x="754380" y="1680211"/>
-            <a:ext cx="777240" cy="923330"/>
+            <a:off x="0" y="5061181"/>
+            <a:ext cx="12192000" cy="666786"/>
           </a:xfrm>
           <a:prstGeom prst="rect">
             <a:avLst/>
@@ -3879,25 +4667,18 @@
           </a:bodyPr>
           <a:lstStyle/>
           <a:p>
-            <a:r>
-              <a:rPr lang="en-US" sz="5400" b="1" dirty="0">
-                <a:solidFill>
-                  <a:srgbClr val="002060"/>
-                </a:solidFill>
-              </a:rPr>
-              <a:t>2</a:t>
-            </a:r>
-            <a:r>
-              <a:rPr lang="en-US" sz="5400" b="1" dirty="0" smtClean="0">
-                <a:solidFill>
-                  <a:srgbClr val="002060"/>
-                </a:solidFill>
-              </a:rPr>
-              <a:t>.</a:t>
-            </a:r>
-            <a:endParaRPr lang="vi-VN" sz="5400" b="1" dirty="0">
+            <a:pPr algn="ctr"/>
+            <a:r>
+              <a:rPr lang="en-US" sz="3733" b="1" dirty="0">
+                <a:solidFill>
+                  <a:srgbClr val="660033"/>
+                </a:solidFill>
+              </a:rPr>
+              <a:t>( 1 / 5 )</a:t>
+            </a:r>
+            <a:endParaRPr lang="vi-VN" sz="3733" b="1" dirty="0">
               <a:solidFill>
-                <a:srgbClr val="002060"/>
+                <a:srgbClr val="660033"/>
               </a:solidFill>
             </a:endParaRPr>
           </a:p>
@@ -3906,13 +4687,20 @@
     </p:spTree>
     <p:extLst>
       <p:ext uri="{BB962C8B-B14F-4D97-AF65-F5344CB8AC3E}">
-        <p14:creationId xmlns:p14="http://schemas.microsoft.com/office/powerpoint/2010/main" val="1161006169"/>
+        <p14:creationId xmlns:p14="http://schemas.microsoft.com/office/powerpoint/2010/main" val="4193509904"/>
       </p:ext>
     </p:extLst>
   </p:cSld>
   <p:clrMapOvr>
     <a:masterClrMapping/>
   </p:clrMapOvr>
+  <p:timing>
+    <p:tnLst>
+      <p:par>
+        <p:cTn id="1" dur="indefinite" restart="never" nodeType="tmRoot"/>
+      </p:par>
+    </p:tnLst>
+  </p:timing>
 </p:sld>
 </file>
 
@@ -3935,152 +4723,147 @@
       </p:grpSpPr>
       <p:sp>
         <p:nvSpPr>
-          <p:cNvPr id="2" name="Title 1"/>
-          <p:cNvSpPr>
-            <a:spLocks noGrp="1"/>
-          </p:cNvSpPr>
-          <p:nvPr>
-            <p:ph type="title"/>
-          </p:nvPr>
-        </p:nvSpPr>
-        <p:spPr/>
-        <p:txBody>
-          <a:bodyPr>
+          <p:cNvPr id="5" name="內容版面配置區 4"/>
+          <p:cNvSpPr>
+            <a:spLocks noGrp="1"/>
+          </p:cNvSpPr>
+          <p:nvPr>
+            <p:ph idx="1"/>
+          </p:nvPr>
+        </p:nvSpPr>
+        <p:spPr>
+          <a:xfrm>
+            <a:off x="0" y="2084851"/>
+            <a:ext cx="12192000" cy="2404863"/>
+          </a:xfrm>
+        </p:spPr>
+        <p:txBody>
+          <a:bodyPr anchor="ctr">
             <a:normAutofit/>
           </a:bodyPr>
           <a:lstStyle/>
           <a:p>
-            <a:r>
-              <a:rPr lang="zh-CN" altLang="en-US" sz="4800" b="1" dirty="0" smtClean="0">
-                <a:solidFill>
-                  <a:srgbClr val="002060"/>
-                </a:solidFill>
-                <a:latin typeface="Microsoft JhengHei" panose="020B0604030504040204" pitchFamily="34" charset="-120"/>
-                <a:ea typeface="Microsoft JhengHei" panose="020B0604030504040204" pitchFamily="34" charset="-120"/>
-              </a:rPr>
-              <a:t>主自己</a:t>
-            </a:r>
-            <a:endParaRPr lang="vi-VN" sz="4800" b="1" dirty="0">
+            <a:pPr marL="0" indent="0" algn="ctr">
+              <a:buNone/>
+            </a:pPr>
+            <a:r>
+              <a:rPr lang="zh-CN" altLang="en-US" sz="6400" b="1" dirty="0">
+                <a:solidFill>
+                  <a:srgbClr val="660033"/>
+                </a:solidFill>
+                <a:latin typeface="Microsoft JhengHei" pitchFamily="34" charset="-120"/>
+                <a:ea typeface="Microsoft JhengHei" pitchFamily="34" charset="-120"/>
+              </a:rPr>
+              <a:t>永遠舉起耶</a:t>
+            </a:r>
+            <a:r>
+              <a:rPr lang="zh-CN" altLang="en-US" sz="6400" b="1" dirty="0">
+                <a:solidFill>
+                  <a:srgbClr val="660033"/>
+                </a:solidFill>
+                <a:latin typeface="Microsoft JhengHei" pitchFamily="34" charset="-120"/>
+                <a:ea typeface="Microsoft JhengHei" pitchFamily="34" charset="-120"/>
+              </a:rPr>
+              <a:t>穌</a:t>
+            </a:r>
+            <a:r>
+              <a:rPr lang="en-US" altLang="zh-CN" sz="6400" b="1" dirty="0">
+                <a:solidFill>
+                  <a:srgbClr val="660033"/>
+                </a:solidFill>
+                <a:latin typeface="Microsoft JhengHei" pitchFamily="34" charset="-120"/>
+                <a:ea typeface="Microsoft JhengHei" pitchFamily="34" charset="-120"/>
+              </a:rPr>
+              <a:t>  </a:t>
+            </a:r>
+            <a:r>
+              <a:rPr lang="zh-CN" altLang="en-US" sz="6400" b="1" dirty="0">
+                <a:solidFill>
+                  <a:srgbClr val="660033"/>
+                </a:solidFill>
+                <a:latin typeface="Microsoft JhengHei" pitchFamily="34" charset="-120"/>
+                <a:ea typeface="Microsoft JhengHei" pitchFamily="34" charset="-120"/>
+              </a:rPr>
+              <a:t>讚</a:t>
+            </a:r>
+            <a:r>
+              <a:rPr lang="zh-CN" altLang="en-US" sz="6400" b="1" dirty="0">
+                <a:solidFill>
+                  <a:srgbClr val="660033"/>
+                </a:solidFill>
+                <a:latin typeface="Microsoft JhengHei" pitchFamily="34" charset="-120"/>
+                <a:ea typeface="Microsoft JhengHei" pitchFamily="34" charset="-120"/>
+              </a:rPr>
+              <a:t>美主不息</a:t>
+            </a:r>
+            <a:endParaRPr lang="en-US" altLang="zh-CN" sz="6400" b="1" dirty="0">
               <a:solidFill>
-                <a:srgbClr val="002060"/>
+                <a:srgbClr val="660033"/>
               </a:solidFill>
-              <a:ea typeface="Microsoft JhengHei" panose="020B0604030504040204" pitchFamily="34" charset="-120"/>
+              <a:latin typeface="Microsoft JhengHei" pitchFamily="34" charset="-120"/>
+              <a:ea typeface="Microsoft JhengHei" pitchFamily="34" charset="-120"/>
             </a:endParaRPr>
           </a:p>
-        </p:txBody>
-      </p:sp>
-      <p:sp>
-        <p:nvSpPr>
-          <p:cNvPr id="3" name="Content Placeholder 2"/>
-          <p:cNvSpPr>
-            <a:spLocks noGrp="1"/>
-          </p:cNvSpPr>
-          <p:nvPr>
-            <p:ph idx="1"/>
-          </p:nvPr>
-        </p:nvSpPr>
-        <p:spPr/>
-        <p:txBody>
-          <a:bodyPr>
-            <a:normAutofit/>
-          </a:bodyPr>
-          <a:lstStyle/>
           <a:p>
             <a:pPr marL="0" indent="0" algn="ctr">
               <a:buNone/>
             </a:pPr>
             <a:r>
-              <a:rPr lang="zh-CN" altLang="en-US" sz="5400" b="1" dirty="0" smtClean="0">
-                <a:solidFill>
-                  <a:srgbClr val="002060"/>
-                </a:solidFill>
-                <a:ea typeface="Microsoft JhengHei" panose="020B0604030504040204" pitchFamily="34" charset="-120"/>
-              </a:rPr>
-              <a:t>永遠舉起耶穌</a:t>
-            </a:r>
-            <a:endParaRPr lang="en-US" altLang="zh-CN" sz="5400" b="1" dirty="0" smtClean="0">
+              <a:rPr lang="zh-CN" altLang="en-US" sz="6400" b="1" dirty="0">
+                <a:solidFill>
+                  <a:srgbClr val="660033"/>
+                </a:solidFill>
+                <a:latin typeface="Microsoft JhengHei" pitchFamily="34" charset="-120"/>
+                <a:ea typeface="Microsoft JhengHei" pitchFamily="34" charset="-120"/>
+              </a:rPr>
+              <a:t>一切在耶穌</a:t>
+            </a:r>
+            <a:r>
+              <a:rPr lang="zh-CN" altLang="en-US" sz="6400" b="1" dirty="0">
+                <a:solidFill>
+                  <a:srgbClr val="660033"/>
+                </a:solidFill>
+                <a:latin typeface="Microsoft JhengHei" pitchFamily="34" charset="-120"/>
+                <a:ea typeface="Microsoft JhengHei" pitchFamily="34" charset="-120"/>
+              </a:rPr>
+              <a:t>裏</a:t>
+            </a:r>
+            <a:r>
+              <a:rPr lang="en-US" altLang="zh-CN" sz="6400" b="1" dirty="0">
+                <a:solidFill>
+                  <a:srgbClr val="660033"/>
+                </a:solidFill>
+                <a:latin typeface="Microsoft JhengHei" pitchFamily="34" charset="-120"/>
+                <a:ea typeface="Microsoft JhengHei" pitchFamily="34" charset="-120"/>
+              </a:rPr>
+              <a:t>  </a:t>
+            </a:r>
+            <a:r>
+              <a:rPr lang="zh-CN" altLang="en-US" sz="6400" b="1" dirty="0">
+                <a:solidFill>
+                  <a:srgbClr val="660033"/>
+                </a:solidFill>
+                <a:latin typeface="Microsoft JhengHei" pitchFamily="34" charset="-120"/>
+                <a:ea typeface="Microsoft JhengHei" pitchFamily="34" charset="-120"/>
+              </a:rPr>
+              <a:t>主</a:t>
+            </a:r>
+            <a:r>
+              <a:rPr lang="zh-CN" altLang="en-US" sz="6400" b="1" dirty="0">
+                <a:solidFill>
+                  <a:srgbClr val="660033"/>
+                </a:solidFill>
+                <a:latin typeface="Microsoft JhengHei" pitchFamily="34" charset="-120"/>
+                <a:ea typeface="Microsoft JhengHei" pitchFamily="34" charset="-120"/>
+              </a:rPr>
+              <a:t>是我的一切</a:t>
+            </a:r>
+            <a:endParaRPr lang="vi-VN" sz="6400" b="1" dirty="0">
               <a:solidFill>
-                <a:srgbClr val="002060"/>
+                <a:srgbClr val="660033"/>
               </a:solidFill>
-              <a:ea typeface="Microsoft JhengHei" panose="020B0604030504040204" pitchFamily="34" charset="-120"/>
-            </a:endParaRPr>
-          </a:p>
-          <a:p>
-            <a:pPr marL="0" indent="0" algn="ctr">
-              <a:buNone/>
-            </a:pPr>
-            <a:r>
-              <a:rPr lang="zh-CN" altLang="en-US" sz="5400" b="1" dirty="0">
-                <a:solidFill>
-                  <a:srgbClr val="002060"/>
-                </a:solidFill>
-                <a:ea typeface="Microsoft JhengHei" panose="020B0604030504040204" pitchFamily="34" charset="-120"/>
-              </a:rPr>
-              <a:t>讚</a:t>
-            </a:r>
-            <a:r>
-              <a:rPr lang="zh-CN" altLang="en-US" sz="5400" b="1" dirty="0" smtClean="0">
-                <a:solidFill>
-                  <a:srgbClr val="002060"/>
-                </a:solidFill>
-                <a:ea typeface="Microsoft JhengHei" panose="020B0604030504040204" pitchFamily="34" charset="-120"/>
-              </a:rPr>
-              <a:t>美主不息</a:t>
-            </a:r>
-            <a:endParaRPr lang="en-US" altLang="zh-CN" sz="5400" b="1" dirty="0" smtClean="0">
-              <a:solidFill>
-                <a:srgbClr val="002060"/>
-              </a:solidFill>
-              <a:ea typeface="Microsoft JhengHei" panose="020B0604030504040204" pitchFamily="34" charset="-120"/>
-            </a:endParaRPr>
-          </a:p>
-          <a:p>
-            <a:pPr marL="0" indent="0" algn="ctr">
-              <a:buNone/>
-            </a:pPr>
-            <a:r>
-              <a:rPr lang="zh-CN" altLang="en-US" sz="5400" b="1" dirty="0">
-                <a:solidFill>
-                  <a:srgbClr val="002060"/>
-                </a:solidFill>
-                <a:ea typeface="Microsoft JhengHei" panose="020B0604030504040204" pitchFamily="34" charset="-120"/>
-              </a:rPr>
-              <a:t>一</a:t>
-            </a:r>
-            <a:r>
-              <a:rPr lang="zh-CN" altLang="en-US" sz="5400" b="1" dirty="0" smtClean="0">
-                <a:solidFill>
-                  <a:srgbClr val="002060"/>
-                </a:solidFill>
-                <a:ea typeface="Microsoft JhengHei" panose="020B0604030504040204" pitchFamily="34" charset="-120"/>
-              </a:rPr>
-              <a:t>切在耶穌裏</a:t>
-            </a:r>
-            <a:endParaRPr lang="en-US" altLang="zh-CN" sz="5400" b="1" dirty="0" smtClean="0">
-              <a:solidFill>
-                <a:srgbClr val="002060"/>
-              </a:solidFill>
-              <a:ea typeface="Microsoft JhengHei" panose="020B0604030504040204" pitchFamily="34" charset="-120"/>
-            </a:endParaRPr>
-          </a:p>
-          <a:p>
-            <a:pPr marL="0" indent="0" algn="ctr">
-              <a:buNone/>
-            </a:pPr>
-            <a:r>
-              <a:rPr lang="zh-CN" altLang="en-US" sz="5400" b="1" dirty="0" smtClean="0">
-                <a:solidFill>
-                  <a:srgbClr val="002060"/>
-                </a:solidFill>
-                <a:ea typeface="Microsoft JhengHei" panose="020B0604030504040204" pitchFamily="34" charset="-120"/>
-              </a:rPr>
-              <a:t>主是我的一切</a:t>
-            </a:r>
-            <a:endParaRPr lang="vi-VN" sz="5400" b="1" dirty="0">
-              <a:solidFill>
-                <a:srgbClr val="002060"/>
-              </a:solidFill>
-              <a:ea typeface="Microsoft JhengHei" panose="020B0604030504040204" pitchFamily="34" charset="-120"/>
+              <a:latin typeface="Microsoft JhengHei" pitchFamily="34" charset="-120"/>
+              <a:ea typeface="Microsoft JhengHei" pitchFamily="34" charset="-120"/>
             </a:endParaRPr>
           </a:p>
         </p:txBody>
@@ -4088,13 +4871,20 @@
     </p:spTree>
     <p:extLst>
       <p:ext uri="{BB962C8B-B14F-4D97-AF65-F5344CB8AC3E}">
-        <p14:creationId xmlns:p14="http://schemas.microsoft.com/office/powerpoint/2010/main" val="3393242393"/>
+        <p14:creationId xmlns:p14="http://schemas.microsoft.com/office/powerpoint/2010/main" val="3174991470"/>
       </p:ext>
     </p:extLst>
   </p:cSld>
   <p:clrMapOvr>
     <a:masterClrMapping/>
   </p:clrMapOvr>
+  <p:timing>
+    <p:tnLst>
+      <p:par>
+        <p:cTn id="1" dur="indefinite" restart="never" nodeType="tmRoot"/>
+      </p:par>
+    </p:tnLst>
+  </p:timing>
 </p:sld>
 </file>
 
@@ -4117,175 +4907,81 @@
       </p:grpSpPr>
       <p:sp>
         <p:nvSpPr>
-          <p:cNvPr id="2" name="Title 1"/>
-          <p:cNvSpPr>
-            <a:spLocks noGrp="1"/>
-          </p:cNvSpPr>
-          <p:nvPr>
-            <p:ph type="title"/>
-          </p:nvPr>
-        </p:nvSpPr>
-        <p:spPr/>
-        <p:txBody>
-          <a:bodyPr>
+          <p:cNvPr id="5" name="內容版面配置區 4"/>
+          <p:cNvSpPr>
+            <a:spLocks noGrp="1"/>
+          </p:cNvSpPr>
+          <p:nvPr>
+            <p:ph idx="1"/>
+          </p:nvPr>
+        </p:nvSpPr>
+        <p:spPr>
+          <a:xfrm>
+            <a:off x="0" y="2084851"/>
+            <a:ext cx="12192000" cy="2404863"/>
+          </a:xfrm>
+        </p:spPr>
+        <p:txBody>
+          <a:bodyPr anchor="ctr">
             <a:normAutofit/>
           </a:bodyPr>
           <a:lstStyle/>
           <a:p>
-            <a:r>
-              <a:rPr lang="zh-CN" altLang="en-US" sz="4800" b="1" dirty="0" smtClean="0">
-                <a:solidFill>
-                  <a:srgbClr val="002060"/>
-                </a:solidFill>
-                <a:latin typeface="Microsoft JhengHei" panose="020B0604030504040204" pitchFamily="34" charset="-120"/>
-                <a:ea typeface="Microsoft JhengHei" panose="020B0604030504040204" pitchFamily="34" charset="-120"/>
-              </a:rPr>
-              <a:t>主自己</a:t>
-            </a:r>
-            <a:endParaRPr lang="vi-VN" sz="4800" b="1" dirty="0">
+            <a:pPr marL="0" indent="0" algn="ctr">
+              <a:buNone/>
+            </a:pPr>
+            <a:r>
+              <a:rPr lang="zh-CN" altLang="en-US" sz="6400" b="1" dirty="0">
+                <a:solidFill>
+                  <a:srgbClr val="660033"/>
+                </a:solidFill>
+                <a:latin typeface="Microsoft JhengHei" pitchFamily="34" charset="-120"/>
+                <a:ea typeface="Microsoft JhengHei" pitchFamily="34" charset="-120"/>
+              </a:rPr>
+              <a:t>前用己力苦試  今惟主是靠</a:t>
+            </a:r>
+            <a:endParaRPr lang="en-US" altLang="zh-CN" sz="6400" b="1" dirty="0">
               <a:solidFill>
-                <a:srgbClr val="002060"/>
+                <a:srgbClr val="660033"/>
               </a:solidFill>
-              <a:ea typeface="Microsoft JhengHei" panose="020B0604030504040204" pitchFamily="34" charset="-120"/>
+              <a:latin typeface="Microsoft JhengHei" pitchFamily="34" charset="-120"/>
+              <a:ea typeface="Microsoft JhengHei" pitchFamily="34" charset="-120"/>
             </a:endParaRPr>
           </a:p>
-        </p:txBody>
-      </p:sp>
-      <p:sp>
-        <p:nvSpPr>
-          <p:cNvPr id="3" name="Content Placeholder 2"/>
-          <p:cNvSpPr>
-            <a:spLocks noGrp="1"/>
-          </p:cNvSpPr>
-          <p:nvPr>
-            <p:ph idx="1"/>
-          </p:nvPr>
-        </p:nvSpPr>
-        <p:spPr/>
-        <p:txBody>
-          <a:bodyPr>
-            <a:normAutofit/>
-          </a:bodyPr>
-          <a:lstStyle/>
           <a:p>
             <a:pPr marL="0" indent="0" algn="ctr">
               <a:buNone/>
             </a:pPr>
             <a:r>
-              <a:rPr lang="zh-CN" altLang="en-US" sz="5400" b="1" dirty="0" smtClean="0">
-                <a:solidFill>
-                  <a:srgbClr val="002060"/>
-                </a:solidFill>
-                <a:latin typeface="Microsoft JhengHei" panose="020B0604030504040204" pitchFamily="34" charset="-120"/>
-                <a:ea typeface="Microsoft JhengHei" panose="020B0604030504040204" pitchFamily="34" charset="-120"/>
-              </a:rPr>
-              <a:t>前忙碌於打算  今專心祈求</a:t>
-            </a:r>
-            <a:endParaRPr lang="en-US" altLang="zh-CN" sz="5400" b="1" dirty="0" smtClean="0">
+              <a:rPr lang="zh-CN" altLang="en-US" sz="6400" b="1" dirty="0">
+                <a:solidFill>
+                  <a:srgbClr val="660033"/>
+                </a:solidFill>
+                <a:latin typeface="Microsoft JhengHei" pitchFamily="34" charset="-120"/>
+                <a:ea typeface="Microsoft JhengHei" pitchFamily="34" charset="-120"/>
+              </a:rPr>
+              <a:t>前要一半救恩  今完全拯救</a:t>
+            </a:r>
+            <a:endParaRPr lang="en-US" altLang="zh-CN" sz="6400" b="1" dirty="0">
               <a:solidFill>
-                <a:srgbClr val="002060"/>
+                <a:srgbClr val="660033"/>
               </a:solidFill>
-              <a:latin typeface="Microsoft JhengHei" panose="020B0604030504040204" pitchFamily="34" charset="-120"/>
-              <a:ea typeface="Microsoft JhengHei" panose="020B0604030504040204" pitchFamily="34" charset="-120"/>
+              <a:latin typeface="Microsoft JhengHei" pitchFamily="34" charset="-120"/>
+              <a:ea typeface="Microsoft JhengHei" pitchFamily="34" charset="-120"/>
             </a:endParaRPr>
           </a:p>
-          <a:p>
-            <a:pPr marL="0" indent="0" algn="ctr">
-              <a:buNone/>
-            </a:pPr>
-            <a:r>
-              <a:rPr lang="zh-CN" altLang="en-US" sz="5400" b="1" dirty="0">
-                <a:solidFill>
-                  <a:srgbClr val="002060"/>
-                </a:solidFill>
-                <a:latin typeface="Microsoft JhengHei" panose="020B0604030504040204" pitchFamily="34" charset="-120"/>
-                <a:ea typeface="Microsoft JhengHei" panose="020B0604030504040204" pitchFamily="34" charset="-120"/>
-              </a:rPr>
-              <a:t>前</a:t>
-            </a:r>
-            <a:r>
-              <a:rPr lang="zh-CN" altLang="en-US" sz="5400" b="1" dirty="0" smtClean="0">
-                <a:solidFill>
-                  <a:srgbClr val="002060"/>
-                </a:solidFill>
-                <a:latin typeface="Microsoft JhengHei" panose="020B0604030504040204" pitchFamily="34" charset="-120"/>
-                <a:ea typeface="Microsoft JhengHei" panose="020B0604030504040204" pitchFamily="34" charset="-120"/>
-              </a:rPr>
-              <a:t>懸切的掛慮  今有主看顧</a:t>
-            </a:r>
-            <a:endParaRPr lang="en-US" altLang="zh-CN" sz="5400" b="1" dirty="0" smtClean="0">
-              <a:solidFill>
-                <a:srgbClr val="002060"/>
-              </a:solidFill>
-              <a:latin typeface="Microsoft JhengHei" panose="020B0604030504040204" pitchFamily="34" charset="-120"/>
-              <a:ea typeface="Microsoft JhengHei" panose="020B0604030504040204" pitchFamily="34" charset="-120"/>
-            </a:endParaRPr>
-          </a:p>
-          <a:p>
-            <a:pPr marL="0" indent="0" algn="ctr">
-              <a:buNone/>
-            </a:pPr>
-            <a:r>
-              <a:rPr lang="zh-CN" altLang="en-US" sz="5400" b="1" dirty="0" smtClean="0">
-                <a:solidFill>
-                  <a:srgbClr val="002060"/>
-                </a:solidFill>
-                <a:latin typeface="Microsoft JhengHei" panose="020B0604030504040204" pitchFamily="34" charset="-120"/>
-                <a:ea typeface="Microsoft JhengHei" panose="020B0604030504040204" pitchFamily="34" charset="-120"/>
-              </a:rPr>
-              <a:t>前我隨己所欲  今聽主言語</a:t>
-            </a:r>
-            <a:endParaRPr lang="en-US" altLang="zh-CN" sz="5400" b="1" dirty="0" smtClean="0">
-              <a:solidFill>
-                <a:srgbClr val="002060"/>
-              </a:solidFill>
-              <a:latin typeface="Microsoft JhengHei" panose="020B0604030504040204" pitchFamily="34" charset="-120"/>
-              <a:ea typeface="Microsoft JhengHei" panose="020B0604030504040204" pitchFamily="34" charset="-120"/>
-            </a:endParaRPr>
-          </a:p>
-          <a:p>
-            <a:pPr marL="0" indent="0" algn="ctr">
-              <a:buNone/>
-            </a:pPr>
-            <a:r>
-              <a:rPr lang="zh-CN" altLang="en-US" sz="5400" b="1" dirty="0">
-                <a:solidFill>
-                  <a:srgbClr val="002060"/>
-                </a:solidFill>
-                <a:latin typeface="Microsoft JhengHei" panose="020B0604030504040204" pitchFamily="34" charset="-120"/>
-                <a:ea typeface="Microsoft JhengHei" panose="020B0604030504040204" pitchFamily="34" charset="-120"/>
-              </a:rPr>
-              <a:t>前不住的求</a:t>
-            </a:r>
-            <a:r>
-              <a:rPr lang="zh-CN" altLang="en-US" sz="5400" b="1" dirty="0" smtClean="0">
-                <a:solidFill>
-                  <a:srgbClr val="002060"/>
-                </a:solidFill>
-                <a:latin typeface="Microsoft JhengHei" panose="020B0604030504040204" pitchFamily="34" charset="-120"/>
-                <a:ea typeface="Microsoft JhengHei" panose="020B0604030504040204" pitchFamily="34" charset="-120"/>
-              </a:rPr>
-              <a:t>討  今常讚美主</a:t>
-            </a:r>
-            <a:endParaRPr lang="vi-VN" sz="5400" b="1" dirty="0">
-              <a:solidFill>
-                <a:srgbClr val="002060"/>
-              </a:solidFill>
-              <a:ea typeface="Microsoft JhengHei" panose="020B0604030504040204" pitchFamily="34" charset="-120"/>
-            </a:endParaRPr>
-          </a:p>
-        </p:txBody>
-      </p:sp>
-      <p:sp>
-        <p:nvSpPr>
-          <p:cNvPr id="4" name="TextBox 3"/>
+        </p:txBody>
+      </p:sp>
+      <p:sp>
+        <p:nvSpPr>
+          <p:cNvPr id="3" name="TextBox 2"/>
           <p:cNvSpPr txBox="1"/>
           <p:nvPr/>
         </p:nvSpPr>
         <p:spPr>
           <a:xfrm>
-            <a:off x="754380" y="1680211"/>
-            <a:ext cx="777240" cy="923330"/>
+            <a:off x="0" y="5061181"/>
+            <a:ext cx="12192000" cy="666786"/>
           </a:xfrm>
           <a:prstGeom prst="rect">
             <a:avLst/>
@@ -4298,17 +4994,18 @@
           </a:bodyPr>
           <a:lstStyle/>
           <a:p>
-            <a:r>
-              <a:rPr lang="en-US" sz="5400" b="1" dirty="0" smtClean="0">
-                <a:solidFill>
-                  <a:srgbClr val="002060"/>
-                </a:solidFill>
-              </a:rPr>
-              <a:t>3.</a:t>
-            </a:r>
-            <a:endParaRPr lang="vi-VN" sz="5400" b="1" dirty="0">
+            <a:pPr algn="ctr"/>
+            <a:r>
+              <a:rPr lang="en-US" sz="3733" b="1" dirty="0">
+                <a:solidFill>
+                  <a:srgbClr val="660033"/>
+                </a:solidFill>
+              </a:rPr>
+              <a:t>( 2 / 5 )</a:t>
+            </a:r>
+            <a:endParaRPr lang="vi-VN" sz="3733" b="1" dirty="0">
               <a:solidFill>
-                <a:srgbClr val="002060"/>
+                <a:srgbClr val="660033"/>
               </a:solidFill>
             </a:endParaRPr>
           </a:p>
@@ -4317,13 +5014,20 @@
     </p:spTree>
     <p:extLst>
       <p:ext uri="{BB962C8B-B14F-4D97-AF65-F5344CB8AC3E}">
-        <p14:creationId xmlns:p14="http://schemas.microsoft.com/office/powerpoint/2010/main" val="352612836"/>
+        <p14:creationId xmlns:p14="http://schemas.microsoft.com/office/powerpoint/2010/main" val="1896538237"/>
       </p:ext>
     </p:extLst>
   </p:cSld>
   <p:clrMapOvr>
     <a:masterClrMapping/>
   </p:clrMapOvr>
+  <p:timing>
+    <p:tnLst>
+      <p:par>
+        <p:cTn id="1" dur="indefinite" restart="never" nodeType="tmRoot"/>
+      </p:par>
+    </p:tnLst>
+  </p:timing>
 </p:sld>
 </file>
 
@@ -4346,152 +5050,106 @@
       </p:grpSpPr>
       <p:sp>
         <p:nvSpPr>
-          <p:cNvPr id="2" name="Title 1"/>
-          <p:cNvSpPr>
-            <a:spLocks noGrp="1"/>
-          </p:cNvSpPr>
-          <p:nvPr>
-            <p:ph type="title"/>
-          </p:nvPr>
-        </p:nvSpPr>
-        <p:spPr/>
-        <p:txBody>
-          <a:bodyPr>
+          <p:cNvPr id="5" name="內容版面配置區 4"/>
+          <p:cNvSpPr>
+            <a:spLocks noGrp="1"/>
+          </p:cNvSpPr>
+          <p:nvPr>
+            <p:ph idx="1"/>
+          </p:nvPr>
+        </p:nvSpPr>
+        <p:spPr>
+          <a:xfrm>
+            <a:off x="0" y="2084851"/>
+            <a:ext cx="12192000" cy="2404863"/>
+          </a:xfrm>
+        </p:spPr>
+        <p:txBody>
+          <a:bodyPr anchor="ctr">
             <a:normAutofit/>
           </a:bodyPr>
           <a:lstStyle/>
           <a:p>
-            <a:r>
-              <a:rPr lang="zh-CN" altLang="en-US" sz="4800" b="1" dirty="0" smtClean="0">
-                <a:solidFill>
-                  <a:srgbClr val="002060"/>
-                </a:solidFill>
-                <a:latin typeface="Microsoft JhengHei" panose="020B0604030504040204" pitchFamily="34" charset="-120"/>
-                <a:ea typeface="Microsoft JhengHei" panose="020B0604030504040204" pitchFamily="34" charset="-120"/>
-              </a:rPr>
-              <a:t>主自己</a:t>
-            </a:r>
-            <a:endParaRPr lang="vi-VN" sz="4800" b="1" dirty="0">
+            <a:pPr marL="0" indent="0" algn="ctr">
+              <a:buNone/>
+            </a:pPr>
+            <a:r>
+              <a:rPr lang="zh-CN" altLang="en-US" sz="6400" b="1" dirty="0">
+                <a:solidFill>
+                  <a:srgbClr val="660033"/>
+                </a:solidFill>
+                <a:latin typeface="Microsoft JhengHei" pitchFamily="34" charset="-120"/>
+                <a:ea typeface="Microsoft JhengHei" pitchFamily="34" charset="-120"/>
+              </a:rPr>
+              <a:t>前用手堅持主  今主牽我手</a:t>
+            </a:r>
+            <a:endParaRPr lang="en-US" altLang="zh-CN" sz="6400" b="1" dirty="0">
               <a:solidFill>
-                <a:srgbClr val="002060"/>
+                <a:srgbClr val="660033"/>
               </a:solidFill>
-              <a:ea typeface="Microsoft JhengHei" panose="020B0604030504040204" pitchFamily="34" charset="-120"/>
+              <a:latin typeface="Microsoft JhengHei" pitchFamily="34" charset="-120"/>
+              <a:ea typeface="Microsoft JhengHei" pitchFamily="34" charset="-120"/>
             </a:endParaRPr>
           </a:p>
-        </p:txBody>
-      </p:sp>
-      <p:sp>
-        <p:nvSpPr>
-          <p:cNvPr id="3" name="Content Placeholder 2"/>
-          <p:cNvSpPr>
-            <a:spLocks noGrp="1"/>
-          </p:cNvSpPr>
-          <p:nvPr>
-            <p:ph idx="1"/>
-          </p:nvPr>
-        </p:nvSpPr>
-        <p:spPr/>
-        <p:txBody>
-          <a:bodyPr>
-            <a:normAutofit/>
+          <a:p>
+            <a:pPr marL="0" indent="0" algn="ctr">
+              <a:buNone/>
+            </a:pPr>
+            <a:r>
+              <a:rPr lang="zh-CN" altLang="en-US" sz="6400" b="1" dirty="0">
+                <a:solidFill>
+                  <a:srgbClr val="660033"/>
+                </a:solidFill>
+                <a:latin typeface="Microsoft JhengHei" pitchFamily="34" charset="-120"/>
+                <a:ea typeface="Microsoft JhengHei" pitchFamily="34" charset="-120"/>
+              </a:rPr>
+              <a:t>前常漂流無定  今錨己抛妥</a:t>
+            </a:r>
+            <a:endParaRPr lang="vi-VN" sz="6400" b="1" dirty="0">
+              <a:solidFill>
+                <a:srgbClr val="660033"/>
+              </a:solidFill>
+              <a:latin typeface="Microsoft JhengHei" pitchFamily="34" charset="-120"/>
+              <a:ea typeface="Microsoft JhengHei" pitchFamily="34" charset="-120"/>
+            </a:endParaRPr>
+          </a:p>
+        </p:txBody>
+      </p:sp>
+      <p:sp>
+        <p:nvSpPr>
+          <p:cNvPr id="3" name="TextBox 2"/>
+          <p:cNvSpPr txBox="1"/>
+          <p:nvPr/>
+        </p:nvSpPr>
+        <p:spPr>
+          <a:xfrm>
+            <a:off x="0" y="5061181"/>
+            <a:ext cx="12192000" cy="666786"/>
+          </a:xfrm>
+          <a:prstGeom prst="rect">
+            <a:avLst/>
+          </a:prstGeom>
+          <a:noFill/>
+        </p:spPr>
+        <p:txBody>
+          <a:bodyPr wrap="square" rtlCol="0">
+            <a:spAutoFit/>
           </a:bodyPr>
           <a:lstStyle/>
           <a:p>
-            <a:pPr marL="0" indent="0" algn="ctr">
-              <a:buNone/>
-            </a:pPr>
-            <a:r>
-              <a:rPr lang="zh-CN" altLang="en-US" sz="5400" b="1" dirty="0" smtClean="0">
-                <a:solidFill>
-                  <a:srgbClr val="002060"/>
-                </a:solidFill>
-                <a:ea typeface="Microsoft JhengHei" panose="020B0604030504040204" pitchFamily="34" charset="-120"/>
-              </a:rPr>
-              <a:t>永遠舉起耶穌</a:t>
-            </a:r>
-            <a:endParaRPr lang="en-US" altLang="zh-CN" sz="5400" b="1" dirty="0" smtClean="0">
+            <a:pPr algn="ctr"/>
+            <a:r>
+              <a:rPr lang="en-US" sz="3733" b="1" dirty="0">
+                <a:solidFill>
+                  <a:srgbClr val="660033"/>
+                </a:solidFill>
+              </a:rPr>
+              <a:t>( 2 / 5 )</a:t>
+            </a:r>
+            <a:endParaRPr lang="vi-VN" sz="3733" b="1" dirty="0">
               <a:solidFill>
-                <a:srgbClr val="002060"/>
+                <a:srgbClr val="660033"/>
               </a:solidFill>
-              <a:ea typeface="Microsoft JhengHei" panose="020B0604030504040204" pitchFamily="34" charset="-120"/>
-            </a:endParaRPr>
-          </a:p>
-          <a:p>
-            <a:pPr marL="0" indent="0" algn="ctr">
-              <a:buNone/>
-            </a:pPr>
-            <a:r>
-              <a:rPr lang="zh-CN" altLang="en-US" sz="5400" b="1" dirty="0">
-                <a:solidFill>
-                  <a:srgbClr val="002060"/>
-                </a:solidFill>
-                <a:ea typeface="Microsoft JhengHei" panose="020B0604030504040204" pitchFamily="34" charset="-120"/>
-              </a:rPr>
-              <a:t>讚</a:t>
-            </a:r>
-            <a:r>
-              <a:rPr lang="zh-CN" altLang="en-US" sz="5400" b="1" dirty="0" smtClean="0">
-                <a:solidFill>
-                  <a:srgbClr val="002060"/>
-                </a:solidFill>
-                <a:ea typeface="Microsoft JhengHei" panose="020B0604030504040204" pitchFamily="34" charset="-120"/>
-              </a:rPr>
-              <a:t>美主不息</a:t>
-            </a:r>
-            <a:endParaRPr lang="en-US" altLang="zh-CN" sz="5400" b="1" dirty="0" smtClean="0">
-              <a:solidFill>
-                <a:srgbClr val="002060"/>
-              </a:solidFill>
-              <a:ea typeface="Microsoft JhengHei" panose="020B0604030504040204" pitchFamily="34" charset="-120"/>
-            </a:endParaRPr>
-          </a:p>
-          <a:p>
-            <a:pPr marL="0" indent="0" algn="ctr">
-              <a:buNone/>
-            </a:pPr>
-            <a:r>
-              <a:rPr lang="zh-CN" altLang="en-US" sz="5400" b="1" dirty="0">
-                <a:solidFill>
-                  <a:srgbClr val="002060"/>
-                </a:solidFill>
-                <a:ea typeface="Microsoft JhengHei" panose="020B0604030504040204" pitchFamily="34" charset="-120"/>
-              </a:rPr>
-              <a:t>一</a:t>
-            </a:r>
-            <a:r>
-              <a:rPr lang="zh-CN" altLang="en-US" sz="5400" b="1" dirty="0" smtClean="0">
-                <a:solidFill>
-                  <a:srgbClr val="002060"/>
-                </a:solidFill>
-                <a:ea typeface="Microsoft JhengHei" panose="020B0604030504040204" pitchFamily="34" charset="-120"/>
-              </a:rPr>
-              <a:t>切在耶穌裏</a:t>
-            </a:r>
-            <a:endParaRPr lang="en-US" altLang="zh-CN" sz="5400" b="1" dirty="0" smtClean="0">
-              <a:solidFill>
-                <a:srgbClr val="002060"/>
-              </a:solidFill>
-              <a:ea typeface="Microsoft JhengHei" panose="020B0604030504040204" pitchFamily="34" charset="-120"/>
-            </a:endParaRPr>
-          </a:p>
-          <a:p>
-            <a:pPr marL="0" indent="0" algn="ctr">
-              <a:buNone/>
-            </a:pPr>
-            <a:r>
-              <a:rPr lang="zh-CN" altLang="en-US" sz="5400" b="1" dirty="0" smtClean="0">
-                <a:solidFill>
-                  <a:srgbClr val="002060"/>
-                </a:solidFill>
-                <a:ea typeface="Microsoft JhengHei" panose="020B0604030504040204" pitchFamily="34" charset="-120"/>
-              </a:rPr>
-              <a:t>主是我的一切</a:t>
-            </a:r>
-            <a:endParaRPr lang="vi-VN" sz="5400" b="1" dirty="0">
-              <a:solidFill>
-                <a:srgbClr val="002060"/>
-              </a:solidFill>
-              <a:ea typeface="Microsoft JhengHei" panose="020B0604030504040204" pitchFamily="34" charset="-120"/>
             </a:endParaRPr>
           </a:p>
         </p:txBody>
@@ -4499,13 +5157,20 @@
     </p:spTree>
     <p:extLst>
       <p:ext uri="{BB962C8B-B14F-4D97-AF65-F5344CB8AC3E}">
-        <p14:creationId xmlns:p14="http://schemas.microsoft.com/office/powerpoint/2010/main" val="3597941526"/>
+        <p14:creationId xmlns:p14="http://schemas.microsoft.com/office/powerpoint/2010/main" val="2289544302"/>
       </p:ext>
     </p:extLst>
   </p:cSld>
   <p:clrMapOvr>
     <a:masterClrMapping/>
   </p:clrMapOvr>
+  <p:timing>
+    <p:tnLst>
+      <p:par>
+        <p:cTn id="1" dur="indefinite" restart="never" nodeType="tmRoot"/>
+      </p:par>
+    </p:tnLst>
+  </p:timing>
 </p:sld>
 </file>
 
@@ -4528,198 +5193,147 @@
       </p:grpSpPr>
       <p:sp>
         <p:nvSpPr>
-          <p:cNvPr id="2" name="Title 1"/>
-          <p:cNvSpPr>
-            <a:spLocks noGrp="1"/>
-          </p:cNvSpPr>
-          <p:nvPr>
-            <p:ph type="title"/>
-          </p:nvPr>
-        </p:nvSpPr>
-        <p:spPr/>
-        <p:txBody>
-          <a:bodyPr>
+          <p:cNvPr id="5" name="內容版面配置區 4"/>
+          <p:cNvSpPr>
+            <a:spLocks noGrp="1"/>
+          </p:cNvSpPr>
+          <p:nvPr>
+            <p:ph idx="1"/>
+          </p:nvPr>
+        </p:nvSpPr>
+        <p:spPr>
+          <a:xfrm>
+            <a:off x="0" y="2084851"/>
+            <a:ext cx="12192000" cy="2404863"/>
+          </a:xfrm>
+        </p:spPr>
+        <p:txBody>
+          <a:bodyPr anchor="ctr">
             <a:normAutofit/>
           </a:bodyPr>
           <a:lstStyle/>
           <a:p>
-            <a:r>
-              <a:rPr lang="zh-CN" altLang="en-US" sz="4800" b="1" dirty="0" smtClean="0">
-                <a:solidFill>
-                  <a:srgbClr val="002060"/>
-                </a:solidFill>
-                <a:latin typeface="Microsoft JhengHei" panose="020B0604030504040204" pitchFamily="34" charset="-120"/>
-                <a:ea typeface="Microsoft JhengHei" panose="020B0604030504040204" pitchFamily="34" charset="-120"/>
-              </a:rPr>
-              <a:t>主自己</a:t>
-            </a:r>
-            <a:endParaRPr lang="vi-VN" sz="4800" b="1" dirty="0">
+            <a:pPr marL="0" indent="0" algn="ctr">
+              <a:buNone/>
+            </a:pPr>
+            <a:r>
+              <a:rPr lang="zh-CN" altLang="en-US" sz="6400" b="1" dirty="0">
+                <a:solidFill>
+                  <a:srgbClr val="660033"/>
+                </a:solidFill>
+                <a:latin typeface="Microsoft JhengHei" pitchFamily="34" charset="-120"/>
+                <a:ea typeface="Microsoft JhengHei" pitchFamily="34" charset="-120"/>
+              </a:rPr>
+              <a:t>永遠舉起耶</a:t>
+            </a:r>
+            <a:r>
+              <a:rPr lang="zh-CN" altLang="en-US" sz="6400" b="1" dirty="0">
+                <a:solidFill>
+                  <a:srgbClr val="660033"/>
+                </a:solidFill>
+                <a:latin typeface="Microsoft JhengHei" pitchFamily="34" charset="-120"/>
+                <a:ea typeface="Microsoft JhengHei" pitchFamily="34" charset="-120"/>
+              </a:rPr>
+              <a:t>穌</a:t>
+            </a:r>
+            <a:r>
+              <a:rPr lang="en-US" altLang="zh-CN" sz="6400" b="1" dirty="0">
+                <a:solidFill>
+                  <a:srgbClr val="660033"/>
+                </a:solidFill>
+                <a:latin typeface="Microsoft JhengHei" pitchFamily="34" charset="-120"/>
+                <a:ea typeface="Microsoft JhengHei" pitchFamily="34" charset="-120"/>
+              </a:rPr>
+              <a:t>  </a:t>
+            </a:r>
+            <a:r>
+              <a:rPr lang="zh-CN" altLang="en-US" sz="6400" b="1" dirty="0">
+                <a:solidFill>
+                  <a:srgbClr val="660033"/>
+                </a:solidFill>
+                <a:latin typeface="Microsoft JhengHei" pitchFamily="34" charset="-120"/>
+                <a:ea typeface="Microsoft JhengHei" pitchFamily="34" charset="-120"/>
+              </a:rPr>
+              <a:t>讚</a:t>
+            </a:r>
+            <a:r>
+              <a:rPr lang="zh-CN" altLang="en-US" sz="6400" b="1" dirty="0">
+                <a:solidFill>
+                  <a:srgbClr val="660033"/>
+                </a:solidFill>
+                <a:latin typeface="Microsoft JhengHei" pitchFamily="34" charset="-120"/>
+                <a:ea typeface="Microsoft JhengHei" pitchFamily="34" charset="-120"/>
+              </a:rPr>
+              <a:t>美主不息</a:t>
+            </a:r>
+            <a:endParaRPr lang="en-US" altLang="zh-CN" sz="6400" b="1" dirty="0">
               <a:solidFill>
-                <a:srgbClr val="002060"/>
+                <a:srgbClr val="660033"/>
               </a:solidFill>
-              <a:ea typeface="Microsoft JhengHei" panose="020B0604030504040204" pitchFamily="34" charset="-120"/>
+              <a:latin typeface="Microsoft JhengHei" pitchFamily="34" charset="-120"/>
+              <a:ea typeface="Microsoft JhengHei" pitchFamily="34" charset="-120"/>
             </a:endParaRPr>
           </a:p>
-        </p:txBody>
-      </p:sp>
-      <p:sp>
-        <p:nvSpPr>
-          <p:cNvPr id="3" name="Content Placeholder 2"/>
-          <p:cNvSpPr>
-            <a:spLocks noGrp="1"/>
-          </p:cNvSpPr>
-          <p:nvPr>
-            <p:ph idx="1"/>
-          </p:nvPr>
-        </p:nvSpPr>
-        <p:spPr/>
-        <p:txBody>
-          <a:bodyPr>
-            <a:normAutofit/>
-          </a:bodyPr>
-          <a:lstStyle/>
           <a:p>
             <a:pPr marL="0" indent="0" algn="ctr">
               <a:buNone/>
             </a:pPr>
             <a:r>
-              <a:rPr lang="zh-CN" altLang="en-US" sz="5400" b="1" dirty="0" smtClean="0">
-                <a:solidFill>
-                  <a:srgbClr val="002060"/>
-                </a:solidFill>
-                <a:ea typeface="Microsoft JhengHei" panose="020B0604030504040204" pitchFamily="34" charset="-120"/>
-              </a:rPr>
-              <a:t>前隨己意作工  今</a:t>
-            </a:r>
-            <a:r>
-              <a:rPr lang="zh-CN" altLang="en-US" sz="5400" b="1" dirty="0">
-                <a:solidFill>
-                  <a:srgbClr val="002060"/>
-                </a:solidFill>
-                <a:ea typeface="Microsoft JhengHei" panose="020B0604030504040204" pitchFamily="34" charset="-120"/>
-              </a:rPr>
-              <a:t>作</a:t>
-            </a:r>
-            <a:r>
-              <a:rPr lang="zh-CN" altLang="en-US" sz="5400" b="1" dirty="0" smtClean="0">
-                <a:solidFill>
-                  <a:srgbClr val="002060"/>
-                </a:solidFill>
-                <a:ea typeface="Microsoft JhengHei" panose="020B0604030504040204" pitchFamily="34" charset="-120"/>
-              </a:rPr>
-              <a:t>工是主</a:t>
-            </a:r>
-            <a:endParaRPr lang="en-US" altLang="zh-CN" sz="5400" b="1" dirty="0" smtClean="0">
+              <a:rPr lang="zh-CN" altLang="en-US" sz="6400" b="1" dirty="0">
+                <a:solidFill>
+                  <a:srgbClr val="660033"/>
+                </a:solidFill>
+                <a:latin typeface="Microsoft JhengHei" pitchFamily="34" charset="-120"/>
+                <a:ea typeface="Microsoft JhengHei" pitchFamily="34" charset="-120"/>
+              </a:rPr>
+              <a:t>一切在耶穌</a:t>
+            </a:r>
+            <a:r>
+              <a:rPr lang="zh-CN" altLang="en-US" sz="6400" b="1" dirty="0">
+                <a:solidFill>
+                  <a:srgbClr val="660033"/>
+                </a:solidFill>
+                <a:latin typeface="Microsoft JhengHei" pitchFamily="34" charset="-120"/>
+                <a:ea typeface="Microsoft JhengHei" pitchFamily="34" charset="-120"/>
+              </a:rPr>
+              <a:t>裏</a:t>
+            </a:r>
+            <a:r>
+              <a:rPr lang="en-US" altLang="zh-CN" sz="6400" b="1" dirty="0">
+                <a:solidFill>
+                  <a:srgbClr val="660033"/>
+                </a:solidFill>
+                <a:latin typeface="Microsoft JhengHei" pitchFamily="34" charset="-120"/>
+                <a:ea typeface="Microsoft JhengHei" pitchFamily="34" charset="-120"/>
+              </a:rPr>
+              <a:t>  </a:t>
+            </a:r>
+            <a:r>
+              <a:rPr lang="zh-CN" altLang="en-US" sz="6400" b="1" dirty="0">
+                <a:solidFill>
+                  <a:srgbClr val="660033"/>
+                </a:solidFill>
+                <a:latin typeface="Microsoft JhengHei" pitchFamily="34" charset="-120"/>
+                <a:ea typeface="Microsoft JhengHei" pitchFamily="34" charset="-120"/>
+              </a:rPr>
+              <a:t>主</a:t>
+            </a:r>
+            <a:r>
+              <a:rPr lang="zh-CN" altLang="en-US" sz="6400" b="1" dirty="0">
+                <a:solidFill>
+                  <a:srgbClr val="660033"/>
+                </a:solidFill>
+                <a:latin typeface="Microsoft JhengHei" pitchFamily="34" charset="-120"/>
+                <a:ea typeface="Microsoft JhengHei" pitchFamily="34" charset="-120"/>
+              </a:rPr>
+              <a:t>是我的一切</a:t>
+            </a:r>
+            <a:endParaRPr lang="vi-VN" sz="6400" b="1" dirty="0">
               <a:solidFill>
-                <a:srgbClr val="002060"/>
+                <a:srgbClr val="660033"/>
               </a:solidFill>
-              <a:ea typeface="Microsoft JhengHei" panose="020B0604030504040204" pitchFamily="34" charset="-120"/>
-            </a:endParaRPr>
-          </a:p>
-          <a:p>
-            <a:pPr marL="0" indent="0" algn="ctr">
-              <a:buNone/>
-            </a:pPr>
-            <a:r>
-              <a:rPr lang="zh-CN" altLang="en-US" sz="5400" b="1" dirty="0" smtClean="0">
-                <a:solidFill>
-                  <a:srgbClr val="002060"/>
-                </a:solidFill>
-                <a:ea typeface="Microsoft JhengHei" panose="020B0604030504040204" pitchFamily="34" charset="-120"/>
-              </a:rPr>
-              <a:t>前我欲利用主  今則主用我</a:t>
-            </a:r>
-            <a:endParaRPr lang="en-US" altLang="zh-CN" sz="5400" b="1" dirty="0" smtClean="0">
-              <a:solidFill>
-                <a:srgbClr val="002060"/>
-              </a:solidFill>
-              <a:ea typeface="Microsoft JhengHei" panose="020B0604030504040204" pitchFamily="34" charset="-120"/>
-            </a:endParaRPr>
-          </a:p>
-          <a:p>
-            <a:pPr marL="0" indent="0" algn="ctr">
-              <a:buNone/>
-            </a:pPr>
-            <a:r>
-              <a:rPr lang="zh-CN" altLang="en-US" sz="5400" b="1" dirty="0" smtClean="0">
-                <a:solidFill>
-                  <a:srgbClr val="002060"/>
-                </a:solidFill>
-                <a:ea typeface="Microsoft JhengHei" panose="020B0604030504040204" pitchFamily="34" charset="-120"/>
-              </a:rPr>
-              <a:t>前我尋求能力  今要全能主</a:t>
-            </a:r>
-            <a:endParaRPr lang="en-US" altLang="zh-CN" sz="5400" b="1" dirty="0" smtClean="0">
-              <a:solidFill>
-                <a:srgbClr val="002060"/>
-              </a:solidFill>
-              <a:ea typeface="Microsoft JhengHei" panose="020B0604030504040204" pitchFamily="34" charset="-120"/>
-            </a:endParaRPr>
-          </a:p>
-          <a:p>
-            <a:pPr marL="0" indent="0" algn="ctr">
-              <a:buNone/>
-            </a:pPr>
-            <a:r>
-              <a:rPr lang="zh-CN" altLang="en-US" sz="5400" b="1" dirty="0" smtClean="0">
-                <a:solidFill>
-                  <a:srgbClr val="002060"/>
-                </a:solidFill>
-                <a:ea typeface="Microsoft JhengHei" panose="020B0604030504040204" pitchFamily="34" charset="-120"/>
-              </a:rPr>
-              <a:t>前為自己勞碌  今為主而活</a:t>
-            </a:r>
-            <a:endParaRPr lang="vi-VN" sz="5400" b="1" dirty="0">
-              <a:solidFill>
-                <a:srgbClr val="002060"/>
-              </a:solidFill>
-              <a:ea typeface="Microsoft JhengHei" panose="020B0604030504040204" pitchFamily="34" charset="-120"/>
-            </a:endParaRPr>
-          </a:p>
-        </p:txBody>
-      </p:sp>
-      <p:sp>
-        <p:nvSpPr>
-          <p:cNvPr id="4" name="TextBox 3"/>
-          <p:cNvSpPr txBox="1"/>
-          <p:nvPr/>
-        </p:nvSpPr>
-        <p:spPr>
-          <a:xfrm>
-            <a:off x="754380" y="1680211"/>
-            <a:ext cx="777240" cy="923330"/>
-          </a:xfrm>
-          <a:prstGeom prst="rect">
-            <a:avLst/>
-          </a:prstGeom>
-          <a:noFill/>
-        </p:spPr>
-        <p:txBody>
-          <a:bodyPr wrap="square" rtlCol="0">
-            <a:spAutoFit/>
-          </a:bodyPr>
-          <a:lstStyle/>
-          <a:p>
-            <a:r>
-              <a:rPr lang="en-US" sz="5400" b="1" dirty="0">
-                <a:solidFill>
-                  <a:srgbClr val="002060"/>
-                </a:solidFill>
-              </a:rPr>
-              <a:t>4</a:t>
-            </a:r>
-            <a:r>
-              <a:rPr lang="en-US" sz="5400" b="1" dirty="0" smtClean="0">
-                <a:solidFill>
-                  <a:srgbClr val="002060"/>
-                </a:solidFill>
-              </a:rPr>
-              <a:t>.</a:t>
-            </a:r>
-            <a:endParaRPr lang="vi-VN" sz="5400" b="1" dirty="0">
-              <a:solidFill>
-                <a:srgbClr val="002060"/>
-              </a:solidFill>
+              <a:latin typeface="Microsoft JhengHei" pitchFamily="34" charset="-120"/>
+              <a:ea typeface="Microsoft JhengHei" pitchFamily="34" charset="-120"/>
             </a:endParaRPr>
           </a:p>
         </p:txBody>
@@ -4727,13 +5341,20 @@
     </p:spTree>
     <p:extLst>
       <p:ext uri="{BB962C8B-B14F-4D97-AF65-F5344CB8AC3E}">
-        <p14:creationId xmlns:p14="http://schemas.microsoft.com/office/powerpoint/2010/main" val="727222399"/>
+        <p14:creationId xmlns:p14="http://schemas.microsoft.com/office/powerpoint/2010/main" val="1864864628"/>
       </p:ext>
     </p:extLst>
   </p:cSld>
   <p:clrMapOvr>
     <a:masterClrMapping/>
   </p:clrMapOvr>
+  <p:timing>
+    <p:tnLst>
+      <p:par>
+        <p:cTn id="1" dur="indefinite" restart="never" nodeType="tmRoot"/>
+      </p:par>
+    </p:tnLst>
+  </p:timing>
 </p:sld>
 </file>
 
@@ -4756,152 +5377,106 @@
       </p:grpSpPr>
       <p:sp>
         <p:nvSpPr>
-          <p:cNvPr id="2" name="Title 1"/>
-          <p:cNvSpPr>
-            <a:spLocks noGrp="1"/>
-          </p:cNvSpPr>
-          <p:nvPr>
-            <p:ph type="title"/>
-          </p:nvPr>
-        </p:nvSpPr>
-        <p:spPr/>
-        <p:txBody>
-          <a:bodyPr>
+          <p:cNvPr id="5" name="內容版面配置區 4"/>
+          <p:cNvSpPr>
+            <a:spLocks noGrp="1"/>
+          </p:cNvSpPr>
+          <p:nvPr>
+            <p:ph idx="1"/>
+          </p:nvPr>
+        </p:nvSpPr>
+        <p:spPr>
+          <a:xfrm>
+            <a:off x="0" y="2084851"/>
+            <a:ext cx="12192000" cy="2404863"/>
+          </a:xfrm>
+        </p:spPr>
+        <p:txBody>
+          <a:bodyPr anchor="ctr">
             <a:normAutofit/>
           </a:bodyPr>
           <a:lstStyle/>
           <a:p>
-            <a:r>
-              <a:rPr lang="zh-CN" altLang="en-US" sz="4800" b="1" dirty="0" smtClean="0">
-                <a:solidFill>
-                  <a:srgbClr val="002060"/>
-                </a:solidFill>
-                <a:latin typeface="Microsoft JhengHei" panose="020B0604030504040204" pitchFamily="34" charset="-120"/>
-                <a:ea typeface="Microsoft JhengHei" panose="020B0604030504040204" pitchFamily="34" charset="-120"/>
-              </a:rPr>
-              <a:t>主自己</a:t>
-            </a:r>
-            <a:endParaRPr lang="vi-VN" sz="4800" b="1" dirty="0">
+            <a:pPr marL="0" indent="0" algn="ctr">
+              <a:buNone/>
+            </a:pPr>
+            <a:r>
+              <a:rPr lang="zh-CN" altLang="en-US" sz="6400" b="1" dirty="0">
+                <a:solidFill>
+                  <a:srgbClr val="660033"/>
+                </a:solidFill>
+                <a:latin typeface="Microsoft JhengHei" pitchFamily="34" charset="-120"/>
+                <a:ea typeface="Microsoft JhengHei" pitchFamily="34" charset="-120"/>
+              </a:rPr>
+              <a:t>前忙碌於打算  今專心祈求</a:t>
+            </a:r>
+            <a:endParaRPr lang="en-US" altLang="zh-CN" sz="6400" b="1" dirty="0">
               <a:solidFill>
-                <a:srgbClr val="002060"/>
+                <a:srgbClr val="660033"/>
               </a:solidFill>
-              <a:ea typeface="Microsoft JhengHei" panose="020B0604030504040204" pitchFamily="34" charset="-120"/>
+              <a:latin typeface="Microsoft JhengHei" pitchFamily="34" charset="-120"/>
+              <a:ea typeface="Microsoft JhengHei" pitchFamily="34" charset="-120"/>
             </a:endParaRPr>
           </a:p>
-        </p:txBody>
-      </p:sp>
-      <p:sp>
-        <p:nvSpPr>
-          <p:cNvPr id="3" name="Content Placeholder 2"/>
-          <p:cNvSpPr>
-            <a:spLocks noGrp="1"/>
-          </p:cNvSpPr>
-          <p:nvPr>
-            <p:ph idx="1"/>
-          </p:nvPr>
-        </p:nvSpPr>
-        <p:spPr/>
-        <p:txBody>
-          <a:bodyPr>
-            <a:normAutofit/>
+          <a:p>
+            <a:pPr marL="0" indent="0" algn="ctr">
+              <a:buNone/>
+            </a:pPr>
+            <a:r>
+              <a:rPr lang="zh-CN" altLang="en-US" sz="6400" b="1" dirty="0">
+                <a:solidFill>
+                  <a:srgbClr val="660033"/>
+                </a:solidFill>
+                <a:latin typeface="Microsoft JhengHei" pitchFamily="34" charset="-120"/>
+                <a:ea typeface="Microsoft JhengHei" pitchFamily="34" charset="-120"/>
+              </a:rPr>
+              <a:t>前懸切的掛慮  今有主看顧</a:t>
+            </a:r>
+            <a:endParaRPr lang="en-US" altLang="zh-CN" sz="6400" b="1" dirty="0">
+              <a:solidFill>
+                <a:srgbClr val="660033"/>
+              </a:solidFill>
+              <a:latin typeface="Microsoft JhengHei" pitchFamily="34" charset="-120"/>
+              <a:ea typeface="Microsoft JhengHei" pitchFamily="34" charset="-120"/>
+            </a:endParaRPr>
+          </a:p>
+        </p:txBody>
+      </p:sp>
+      <p:sp>
+        <p:nvSpPr>
+          <p:cNvPr id="3" name="TextBox 2"/>
+          <p:cNvSpPr txBox="1"/>
+          <p:nvPr/>
+        </p:nvSpPr>
+        <p:spPr>
+          <a:xfrm>
+            <a:off x="0" y="5061181"/>
+            <a:ext cx="12192000" cy="666786"/>
+          </a:xfrm>
+          <a:prstGeom prst="rect">
+            <a:avLst/>
+          </a:prstGeom>
+          <a:noFill/>
+        </p:spPr>
+        <p:txBody>
+          <a:bodyPr wrap="square" rtlCol="0">
+            <a:spAutoFit/>
           </a:bodyPr>
           <a:lstStyle/>
           <a:p>
-            <a:pPr marL="0" indent="0" algn="ctr">
-              <a:buNone/>
-            </a:pPr>
-            <a:r>
-              <a:rPr lang="zh-CN" altLang="en-US" sz="5400" b="1" dirty="0" smtClean="0">
-                <a:solidFill>
-                  <a:srgbClr val="002060"/>
-                </a:solidFill>
-                <a:ea typeface="Microsoft JhengHei" panose="020B0604030504040204" pitchFamily="34" charset="-120"/>
-              </a:rPr>
-              <a:t>永遠舉起耶穌</a:t>
-            </a:r>
-            <a:endParaRPr lang="en-US" altLang="zh-CN" sz="5400" b="1" dirty="0" smtClean="0">
+            <a:pPr algn="ctr"/>
+            <a:r>
+              <a:rPr lang="en-US" sz="3733" b="1" dirty="0">
+                <a:solidFill>
+                  <a:srgbClr val="660033"/>
+                </a:solidFill>
+              </a:rPr>
+              <a:t>( 3 / 5 )</a:t>
+            </a:r>
+            <a:endParaRPr lang="vi-VN" sz="3733" b="1" dirty="0">
               <a:solidFill>
-                <a:srgbClr val="002060"/>
+                <a:srgbClr val="660033"/>
               </a:solidFill>
-              <a:ea typeface="Microsoft JhengHei" panose="020B0604030504040204" pitchFamily="34" charset="-120"/>
-            </a:endParaRPr>
-          </a:p>
-          <a:p>
-            <a:pPr marL="0" indent="0" algn="ctr">
-              <a:buNone/>
-            </a:pPr>
-            <a:r>
-              <a:rPr lang="zh-CN" altLang="en-US" sz="5400" b="1" dirty="0">
-                <a:solidFill>
-                  <a:srgbClr val="002060"/>
-                </a:solidFill>
-                <a:ea typeface="Microsoft JhengHei" panose="020B0604030504040204" pitchFamily="34" charset="-120"/>
-              </a:rPr>
-              <a:t>讚</a:t>
-            </a:r>
-            <a:r>
-              <a:rPr lang="zh-CN" altLang="en-US" sz="5400" b="1" dirty="0" smtClean="0">
-                <a:solidFill>
-                  <a:srgbClr val="002060"/>
-                </a:solidFill>
-                <a:ea typeface="Microsoft JhengHei" panose="020B0604030504040204" pitchFamily="34" charset="-120"/>
-              </a:rPr>
-              <a:t>美主不息</a:t>
-            </a:r>
-            <a:endParaRPr lang="en-US" altLang="zh-CN" sz="5400" b="1" dirty="0" smtClean="0">
-              <a:solidFill>
-                <a:srgbClr val="002060"/>
-              </a:solidFill>
-              <a:ea typeface="Microsoft JhengHei" panose="020B0604030504040204" pitchFamily="34" charset="-120"/>
-            </a:endParaRPr>
-          </a:p>
-          <a:p>
-            <a:pPr marL="0" indent="0" algn="ctr">
-              <a:buNone/>
-            </a:pPr>
-            <a:r>
-              <a:rPr lang="zh-CN" altLang="en-US" sz="5400" b="1" dirty="0">
-                <a:solidFill>
-                  <a:srgbClr val="002060"/>
-                </a:solidFill>
-                <a:ea typeface="Microsoft JhengHei" panose="020B0604030504040204" pitchFamily="34" charset="-120"/>
-              </a:rPr>
-              <a:t>一</a:t>
-            </a:r>
-            <a:r>
-              <a:rPr lang="zh-CN" altLang="en-US" sz="5400" b="1" dirty="0" smtClean="0">
-                <a:solidFill>
-                  <a:srgbClr val="002060"/>
-                </a:solidFill>
-                <a:ea typeface="Microsoft JhengHei" panose="020B0604030504040204" pitchFamily="34" charset="-120"/>
-              </a:rPr>
-              <a:t>切在耶穌裏</a:t>
-            </a:r>
-            <a:endParaRPr lang="en-US" altLang="zh-CN" sz="5400" b="1" dirty="0" smtClean="0">
-              <a:solidFill>
-                <a:srgbClr val="002060"/>
-              </a:solidFill>
-              <a:ea typeface="Microsoft JhengHei" panose="020B0604030504040204" pitchFamily="34" charset="-120"/>
-            </a:endParaRPr>
-          </a:p>
-          <a:p>
-            <a:pPr marL="0" indent="0" algn="ctr">
-              <a:buNone/>
-            </a:pPr>
-            <a:r>
-              <a:rPr lang="zh-CN" altLang="en-US" sz="5400" b="1" dirty="0" smtClean="0">
-                <a:solidFill>
-                  <a:srgbClr val="002060"/>
-                </a:solidFill>
-                <a:ea typeface="Microsoft JhengHei" panose="020B0604030504040204" pitchFamily="34" charset="-120"/>
-              </a:rPr>
-              <a:t>主是我的一切</a:t>
-            </a:r>
-            <a:endParaRPr lang="vi-VN" sz="5400" b="1" dirty="0">
-              <a:solidFill>
-                <a:srgbClr val="002060"/>
-              </a:solidFill>
-              <a:ea typeface="Microsoft JhengHei" panose="020B0604030504040204" pitchFamily="34" charset="-120"/>
             </a:endParaRPr>
           </a:p>
         </p:txBody>
@@ -4909,13 +5484,20 @@
     </p:spTree>
     <p:extLst>
       <p:ext uri="{BB962C8B-B14F-4D97-AF65-F5344CB8AC3E}">
-        <p14:creationId xmlns:p14="http://schemas.microsoft.com/office/powerpoint/2010/main" val="1251231712"/>
+        <p14:creationId xmlns:p14="http://schemas.microsoft.com/office/powerpoint/2010/main" val="197769966"/>
       </p:ext>
     </p:extLst>
   </p:cSld>
   <p:clrMapOvr>
     <a:masterClrMapping/>
   </p:clrMapOvr>
+  <p:timing>
+    <p:tnLst>
+      <p:par>
+        <p:cTn id="1" dur="indefinite" restart="never" nodeType="tmRoot"/>
+      </p:par>
+    </p:tnLst>
+  </p:timing>
 </p:sld>
 </file>
 
@@ -4938,166 +5520,81 @@
       </p:grpSpPr>
       <p:sp>
         <p:nvSpPr>
-          <p:cNvPr id="2" name="Title 1"/>
-          <p:cNvSpPr>
-            <a:spLocks noGrp="1"/>
-          </p:cNvSpPr>
-          <p:nvPr>
-            <p:ph type="title"/>
-          </p:nvPr>
-        </p:nvSpPr>
-        <p:spPr/>
-        <p:txBody>
-          <a:bodyPr>
+          <p:cNvPr id="5" name="內容版面配置區 4"/>
+          <p:cNvSpPr>
+            <a:spLocks noGrp="1"/>
+          </p:cNvSpPr>
+          <p:nvPr>
+            <p:ph idx="1"/>
+          </p:nvPr>
+        </p:nvSpPr>
+        <p:spPr>
+          <a:xfrm>
+            <a:off x="0" y="2084851"/>
+            <a:ext cx="12192000" cy="2404863"/>
+          </a:xfrm>
+        </p:spPr>
+        <p:txBody>
+          <a:bodyPr anchor="ctr">
             <a:normAutofit/>
           </a:bodyPr>
           <a:lstStyle/>
           <a:p>
-            <a:r>
-              <a:rPr lang="zh-CN" altLang="en-US" sz="4800" b="1" dirty="0" smtClean="0">
-                <a:solidFill>
-                  <a:srgbClr val="002060"/>
-                </a:solidFill>
-                <a:latin typeface="Microsoft JhengHei" panose="020B0604030504040204" pitchFamily="34" charset="-120"/>
-                <a:ea typeface="Microsoft JhengHei" panose="020B0604030504040204" pitchFamily="34" charset="-120"/>
-              </a:rPr>
-              <a:t>主自己</a:t>
-            </a:r>
-            <a:endParaRPr lang="vi-VN" sz="4800" b="1" dirty="0">
+            <a:pPr marL="0" indent="0" algn="ctr">
+              <a:buNone/>
+            </a:pPr>
+            <a:r>
+              <a:rPr lang="zh-CN" altLang="en-US" sz="6400" b="1" dirty="0">
+                <a:solidFill>
+                  <a:srgbClr val="660033"/>
+                </a:solidFill>
+                <a:latin typeface="Microsoft JhengHei" pitchFamily="34" charset="-120"/>
+                <a:ea typeface="Microsoft JhengHei" pitchFamily="34" charset="-120"/>
+              </a:rPr>
+              <a:t>前我隨己所欲  今聽主言語</a:t>
+            </a:r>
+            <a:endParaRPr lang="en-US" altLang="zh-CN" sz="6400" b="1" dirty="0">
               <a:solidFill>
-                <a:srgbClr val="002060"/>
+                <a:srgbClr val="660033"/>
               </a:solidFill>
-              <a:ea typeface="Microsoft JhengHei" panose="020B0604030504040204" pitchFamily="34" charset="-120"/>
+              <a:latin typeface="Microsoft JhengHei" pitchFamily="34" charset="-120"/>
+              <a:ea typeface="Microsoft JhengHei" pitchFamily="34" charset="-120"/>
             </a:endParaRPr>
           </a:p>
-        </p:txBody>
-      </p:sp>
-      <p:sp>
-        <p:nvSpPr>
-          <p:cNvPr id="3" name="Content Placeholder 2"/>
-          <p:cNvSpPr>
-            <a:spLocks noGrp="1"/>
-          </p:cNvSpPr>
-          <p:nvPr>
-            <p:ph idx="1"/>
-          </p:nvPr>
-        </p:nvSpPr>
-        <p:spPr/>
-        <p:txBody>
-          <a:bodyPr>
-            <a:normAutofit/>
-          </a:bodyPr>
-          <a:lstStyle/>
           <a:p>
             <a:pPr marL="0" indent="0" algn="ctr">
               <a:buNone/>
             </a:pPr>
             <a:r>
-              <a:rPr lang="zh-CN" altLang="en-US" sz="5400" b="1" dirty="0" smtClean="0">
-                <a:solidFill>
-                  <a:srgbClr val="002060"/>
-                </a:solidFill>
-                <a:ea typeface="Microsoft JhengHei" panose="020B0604030504040204" pitchFamily="34" charset="-120"/>
-              </a:rPr>
-              <a:t>前只盼望屬主  今知主屬我</a:t>
-            </a:r>
-            <a:endParaRPr lang="en-US" altLang="zh-CN" sz="5400" b="1" dirty="0" smtClean="0">
+              <a:rPr lang="zh-CN" altLang="en-US" sz="6400" b="1" dirty="0">
+                <a:solidFill>
+                  <a:srgbClr val="660033"/>
+                </a:solidFill>
+                <a:latin typeface="Microsoft JhengHei" pitchFamily="34" charset="-120"/>
+                <a:ea typeface="Microsoft JhengHei" pitchFamily="34" charset="-120"/>
+              </a:rPr>
+              <a:t>前不住的求討  今常讚美主</a:t>
+            </a:r>
+            <a:endParaRPr lang="vi-VN" sz="6400" b="1" dirty="0">
               <a:solidFill>
-                <a:srgbClr val="002060"/>
+                <a:srgbClr val="660033"/>
               </a:solidFill>
-              <a:ea typeface="Microsoft JhengHei" panose="020B0604030504040204" pitchFamily="34" charset="-120"/>
+              <a:latin typeface="Microsoft JhengHei" pitchFamily="34" charset="-120"/>
+              <a:ea typeface="Microsoft JhengHei" pitchFamily="34" charset="-120"/>
             </a:endParaRPr>
           </a:p>
-          <a:p>
-            <a:pPr marL="0" indent="0" algn="ctr">
-              <a:buNone/>
-            </a:pPr>
-            <a:r>
-              <a:rPr lang="zh-CN" altLang="en-US" sz="5400" b="1" dirty="0">
-                <a:solidFill>
-                  <a:srgbClr val="002060"/>
-                </a:solidFill>
-                <a:ea typeface="Microsoft JhengHei" panose="020B0604030504040204" pitchFamily="34" charset="-120"/>
-              </a:rPr>
-              <a:t>前我燈</a:t>
-            </a:r>
-            <a:r>
-              <a:rPr lang="zh-CN" altLang="en-US" sz="5400" b="1" dirty="0" smtClean="0">
-                <a:solidFill>
-                  <a:srgbClr val="002060"/>
-                </a:solidFill>
-                <a:ea typeface="Microsoft JhengHei" panose="020B0604030504040204" pitchFamily="34" charset="-120"/>
-              </a:rPr>
-              <a:t>將熄滅  今照耀光輝</a:t>
-            </a:r>
-            <a:endParaRPr lang="en-US" altLang="zh-CN" sz="5400" b="1" dirty="0" smtClean="0">
-              <a:solidFill>
-                <a:srgbClr val="002060"/>
-              </a:solidFill>
-              <a:ea typeface="Microsoft JhengHei" panose="020B0604030504040204" pitchFamily="34" charset="-120"/>
-            </a:endParaRPr>
-          </a:p>
-          <a:p>
-            <a:pPr marL="0" indent="0" algn="ctr">
-              <a:buNone/>
-            </a:pPr>
-            <a:r>
-              <a:rPr lang="zh-CN" altLang="en-US" sz="5400" b="1" dirty="0" smtClean="0">
-                <a:solidFill>
-                  <a:srgbClr val="002060"/>
-                </a:solidFill>
-                <a:ea typeface="Microsoft JhengHei" panose="020B0604030504040204" pitchFamily="34" charset="-120"/>
-              </a:rPr>
-              <a:t>前所等的是死  今望主再臨</a:t>
-            </a:r>
-            <a:endParaRPr lang="en-US" altLang="zh-CN" sz="5400" b="1" dirty="0" smtClean="0">
-              <a:solidFill>
-                <a:srgbClr val="002060"/>
-              </a:solidFill>
-              <a:ea typeface="Microsoft JhengHei" panose="020B0604030504040204" pitchFamily="34" charset="-120"/>
-            </a:endParaRPr>
-          </a:p>
-          <a:p>
-            <a:pPr marL="0" indent="0" algn="ctr">
-              <a:buNone/>
-            </a:pPr>
-            <a:r>
-              <a:rPr lang="zh-CN" altLang="en-US" sz="5400" b="1" dirty="0">
-                <a:solidFill>
-                  <a:srgbClr val="002060"/>
-                </a:solidFill>
-                <a:ea typeface="Microsoft JhengHei" panose="020B0604030504040204" pitchFamily="34" charset="-120"/>
-              </a:rPr>
-              <a:t>我</a:t>
-            </a:r>
-            <a:r>
-              <a:rPr lang="zh-CN" altLang="en-US" sz="5400" b="1" dirty="0" smtClean="0">
-                <a:solidFill>
-                  <a:srgbClr val="002060"/>
-                </a:solidFill>
-                <a:ea typeface="Microsoft JhengHei" panose="020B0604030504040204" pitchFamily="34" charset="-120"/>
-              </a:rPr>
-              <a:t>心一切盼望  安妥在幔內</a:t>
-            </a:r>
-            <a:endParaRPr lang="vi-VN" sz="5400" b="1" dirty="0">
-              <a:solidFill>
-                <a:srgbClr val="002060"/>
-              </a:solidFill>
-              <a:ea typeface="Microsoft JhengHei" panose="020B0604030504040204" pitchFamily="34" charset="-120"/>
-            </a:endParaRPr>
-          </a:p>
-        </p:txBody>
-      </p:sp>
-      <p:sp>
-        <p:nvSpPr>
-          <p:cNvPr id="4" name="TextBox 3"/>
+        </p:txBody>
+      </p:sp>
+      <p:sp>
+        <p:nvSpPr>
+          <p:cNvPr id="3" name="TextBox 2"/>
           <p:cNvSpPr txBox="1"/>
           <p:nvPr/>
         </p:nvSpPr>
         <p:spPr>
           <a:xfrm>
-            <a:off x="754380" y="1680211"/>
-            <a:ext cx="777240" cy="923330"/>
+            <a:off x="0" y="5061181"/>
+            <a:ext cx="12192000" cy="666786"/>
           </a:xfrm>
           <a:prstGeom prst="rect">
             <a:avLst/>
@@ -5110,17 +5607,18 @@
           </a:bodyPr>
           <a:lstStyle/>
           <a:p>
-            <a:r>
-              <a:rPr lang="en-US" sz="5400" b="1" dirty="0" smtClean="0">
-                <a:solidFill>
-                  <a:srgbClr val="002060"/>
-                </a:solidFill>
-              </a:rPr>
-              <a:t>5.</a:t>
-            </a:r>
-            <a:endParaRPr lang="vi-VN" sz="5400" b="1" dirty="0">
+            <a:pPr algn="ctr"/>
+            <a:r>
+              <a:rPr lang="en-US" sz="3733" b="1" dirty="0">
+                <a:solidFill>
+                  <a:srgbClr val="660033"/>
+                </a:solidFill>
+              </a:rPr>
+              <a:t>( 3 / 5 )</a:t>
+            </a:r>
+            <a:endParaRPr lang="vi-VN" sz="3733" b="1" dirty="0">
               <a:solidFill>
-                <a:srgbClr val="002060"/>
+                <a:srgbClr val="660033"/>
               </a:solidFill>
             </a:endParaRPr>
           </a:p>
@@ -5129,13 +5627,20 @@
     </p:spTree>
     <p:extLst>
       <p:ext uri="{BB962C8B-B14F-4D97-AF65-F5344CB8AC3E}">
-        <p14:creationId xmlns:p14="http://schemas.microsoft.com/office/powerpoint/2010/main" val="3291546090"/>
+        <p14:creationId xmlns:p14="http://schemas.microsoft.com/office/powerpoint/2010/main" val="1616782524"/>
       </p:ext>
     </p:extLst>
   </p:cSld>
   <p:clrMapOvr>
     <a:masterClrMapping/>
   </p:clrMapOvr>
+  <p:timing>
+    <p:tnLst>
+      <p:par>
+        <p:cTn id="1" dur="indefinite" restart="never" nodeType="tmRoot"/>
+      </p:par>
+    </p:tnLst>
+  </p:timing>
 </p:sld>
 </file>
 
